--- a/毕业论文/开题/gxf-开题报告1.pptx
+++ b/毕业论文/开题/gxf-开题报告1.pptx
@@ -223,7 +223,7 @@
           <a:p>
             <a:fld id="{202C1FBA-CF23-45CA-A289-03E32D160964}" type="datetimeFigureOut">
               <a:rPr lang="zh-CN" altLang="en-US" smtClean="0"/>
-              <a:t>2021/2/28</a:t>
+              <a:t>2021/3/5</a:t>
             </a:fld>
             <a:endParaRPr lang="zh-CN" altLang="en-US"/>
           </a:p>
@@ -388,7 +388,7 @@
           <a:p>
             <a:fld id="{6D966BD8-0FC1-456F-BDC6-7D0CA8E36566}" type="datetimeFigureOut">
               <a:rPr lang="zh-CN" altLang="en-US" smtClean="0"/>
-              <a:t>2021/2/28</a:t>
+              <a:t>2021/3/5</a:t>
             </a:fld>
             <a:endParaRPr lang="zh-CN" altLang="en-US"/>
           </a:p>
@@ -1620,46 +1620,6 @@
           <a:lstStyle/>
           <a:p>
             <a:r>
-              <a:rPr lang="zh-CN" altLang="en-US" b="1" dirty="0" smtClean="0"/>
-              <a:t>卡耐基梅隆大学 </a:t>
-            </a:r>
-            <a:r>
-              <a:rPr lang="zh-CN" altLang="en-US" dirty="0" smtClean="0"/>
-              <a:t>于</a:t>
-            </a:r>
-            <a:r>
-              <a:rPr lang="en-US" altLang="zh-CN" dirty="0" smtClean="0"/>
-              <a:t>1995</a:t>
-            </a:r>
-            <a:r>
-              <a:rPr lang="zh-CN" altLang="en-US" dirty="0" smtClean="0"/>
-              <a:t>年研制成功了</a:t>
-            </a:r>
-            <a:r>
-              <a:rPr lang="en-US" altLang="zh-CN" sz="1200" kern="1200" dirty="0" err="1" smtClean="0">
-                <a:solidFill>
-                  <a:schemeClr val="tx1"/>
-                </a:solidFill>
-                <a:effectLst/>
-                <a:latin typeface="+mn-lt"/>
-                <a:ea typeface="+mn-ea"/>
-                <a:cs typeface="+mn-cs"/>
-              </a:rPr>
-              <a:t>Navlab</a:t>
-            </a:r>
-            <a:r>
-              <a:rPr lang="en-US" altLang="zh-CN" sz="1200" kern="1200" dirty="0" smtClean="0">
-                <a:solidFill>
-                  <a:schemeClr val="tx1"/>
-                </a:solidFill>
-                <a:effectLst/>
-                <a:latin typeface="+mn-lt"/>
-                <a:ea typeface="+mn-ea"/>
-                <a:cs typeface="+mn-cs"/>
-              </a:rPr>
-              <a:t>-V</a:t>
-            </a:r>
-            <a:r>
               <a:rPr lang="zh-CN" altLang="zh-CN" sz="1200" kern="1200" dirty="0" smtClean="0">
                 <a:solidFill>
                   <a:schemeClr val="tx1"/>
@@ -1669,7 +1629,7 @@
                 <a:ea typeface="+mn-ea"/>
                 <a:cs typeface="+mn-cs"/>
               </a:rPr>
-              <a:t>无人驾驶汽车，实现了美国东西海岸的无人驾驶实验</a:t>
+              <a:t>随着地下矿开采规模的显著提高，采矿条件变得愈来愈恶劣，对人员安全威胁也愈来愈大，</a:t>
             </a:r>
             <a:r>
               <a:rPr lang="zh-CN" altLang="en-US" sz="1200" kern="1200" dirty="0" smtClean="0">
@@ -1681,10 +1641,10 @@
                 <a:ea typeface="+mn-ea"/>
                 <a:cs typeface="+mn-cs"/>
               </a:rPr>
-              <a:t>。在全长</a:t>
-            </a:r>
-            <a:r>
-              <a:rPr lang="en-US" altLang="zh-CN" sz="1200" kern="1200" dirty="0" smtClean="0">
+              <a:t>但</a:t>
+            </a:r>
+            <a:r>
+              <a:rPr lang="zh-CN" altLang="zh-CN" sz="1200" kern="1200" dirty="0" smtClean="0">
                 <a:solidFill>
                   <a:schemeClr val="tx1"/>
                 </a:solidFill>
@@ -1693,7 +1653,7 @@
                 <a:ea typeface="+mn-ea"/>
                 <a:cs typeface="+mn-cs"/>
               </a:rPr>
-              <a:t>5000km</a:t>
+              <a:t>对采矿效率的要求却越来越高，而传统采矿存在劳动者密集、资源消耗多、生产效率低、安全性差等特点。</a:t>
             </a:r>
             <a:r>
               <a:rPr lang="zh-CN" altLang="en-US" sz="1200" kern="1200" dirty="0" smtClean="0">
@@ -1705,362 +1665,7 @@
                 <a:ea typeface="+mn-ea"/>
                 <a:cs typeface="+mn-cs"/>
               </a:rPr>
-              <a:t>的美国洲际高速公路上，</a:t>
-            </a:r>
-            <a:r>
-              <a:rPr lang="en-US" altLang="zh-CN" sz="1200" kern="1200" dirty="0" smtClean="0">
-                <a:solidFill>
-                  <a:schemeClr val="tx1"/>
-                </a:solidFill>
-                <a:effectLst/>
-                <a:latin typeface="+mn-lt"/>
-                <a:ea typeface="+mn-ea"/>
-                <a:cs typeface="+mn-cs"/>
-              </a:rPr>
-              <a:t>96%</a:t>
-            </a:r>
-            <a:r>
-              <a:rPr lang="zh-CN" altLang="en-US" sz="1200" kern="1200" dirty="0" smtClean="0">
-                <a:solidFill>
-                  <a:schemeClr val="tx1"/>
-                </a:solidFill>
-                <a:effectLst/>
-                <a:latin typeface="+mn-lt"/>
-                <a:ea typeface="+mn-ea"/>
-                <a:cs typeface="+mn-cs"/>
-              </a:rPr>
-              <a:t>的路程是自动驾驶的。</a:t>
-            </a:r>
-            <a:endParaRPr lang="en-US" altLang="zh-CN" sz="1200" kern="1200" dirty="0" smtClean="0">
-              <a:solidFill>
-                <a:schemeClr val="tx1"/>
-              </a:solidFill>
-              <a:effectLst/>
-              <a:latin typeface="+mn-lt"/>
-              <a:ea typeface="+mn-ea"/>
-              <a:cs typeface="+mn-cs"/>
-            </a:endParaRPr>
-          </a:p>
-          <a:p>
-            <a:r>
-              <a:rPr lang="zh-CN" altLang="en-US" b="1" dirty="0" smtClean="0"/>
-              <a:t>斯坦福大学</a:t>
-            </a:r>
-            <a:r>
-              <a:rPr lang="zh-CN" altLang="en-US" dirty="0" smtClean="0"/>
-              <a:t> </a:t>
-            </a:r>
-            <a:r>
-              <a:rPr lang="en-US" altLang="zh-CN" dirty="0" smtClean="0"/>
-              <a:t>2005</a:t>
-            </a:r>
-            <a:r>
-              <a:rPr lang="zh-CN" altLang="en-US" dirty="0" smtClean="0"/>
-              <a:t>年在美国</a:t>
-            </a:r>
-            <a:r>
-              <a:rPr lang="zh-CN" altLang="zh-CN" sz="1200" kern="1200" dirty="0" smtClean="0">
-                <a:solidFill>
-                  <a:schemeClr val="tx1"/>
-                </a:solidFill>
-                <a:effectLst/>
-                <a:latin typeface="+mn-lt"/>
-                <a:ea typeface="+mn-ea"/>
-                <a:cs typeface="+mn-cs"/>
-              </a:rPr>
-              <a:t>国防部主办的智能车挑战赛上，斯坦福大学开发的</a:t>
-            </a:r>
-            <a:r>
-              <a:rPr lang="en-US" altLang="zh-CN" sz="1200" kern="1200" dirty="0" smtClean="0">
-                <a:solidFill>
-                  <a:schemeClr val="tx1"/>
-                </a:solidFill>
-                <a:effectLst/>
-                <a:latin typeface="+mn-lt"/>
-                <a:ea typeface="+mn-ea"/>
-                <a:cs typeface="+mn-cs"/>
-              </a:rPr>
-              <a:t>Stanley</a:t>
-            </a:r>
-            <a:r>
-              <a:rPr lang="zh-CN" altLang="zh-CN" sz="1200" kern="1200" dirty="0" smtClean="0">
-                <a:solidFill>
-                  <a:schemeClr val="tx1"/>
-                </a:solidFill>
-                <a:effectLst/>
-                <a:latin typeface="+mn-lt"/>
-                <a:ea typeface="+mn-ea"/>
-                <a:cs typeface="+mn-cs"/>
-              </a:rPr>
-              <a:t>无人驾驶汽车力压卡内基梅隆大学，夺得第一名。</a:t>
-            </a:r>
-            <a:endParaRPr lang="en-US" altLang="zh-CN" sz="1200" kern="1200" dirty="0" smtClean="0">
-              <a:solidFill>
-                <a:schemeClr val="tx1"/>
-              </a:solidFill>
-              <a:effectLst/>
-              <a:latin typeface="+mn-lt"/>
-              <a:ea typeface="+mn-ea"/>
-              <a:cs typeface="+mn-cs"/>
-            </a:endParaRPr>
-          </a:p>
-          <a:p>
-            <a:r>
-              <a:rPr lang="zh-CN" altLang="en-US" sz="1200" b="1" kern="1200" dirty="0" smtClean="0">
-                <a:solidFill>
-                  <a:schemeClr val="tx1"/>
-                </a:solidFill>
-                <a:effectLst/>
-                <a:latin typeface="+mn-lt"/>
-                <a:ea typeface="+mn-ea"/>
-                <a:cs typeface="+mn-cs"/>
-              </a:rPr>
-              <a:t>谷歌 </a:t>
-            </a:r>
-            <a:r>
-              <a:rPr lang="zh-CN" altLang="en-US" sz="1200" kern="1200" dirty="0" smtClean="0">
-                <a:solidFill>
-                  <a:schemeClr val="tx1"/>
-                </a:solidFill>
-                <a:effectLst/>
-                <a:latin typeface="+mn-lt"/>
-                <a:ea typeface="+mn-ea"/>
-                <a:cs typeface="+mn-cs"/>
-              </a:rPr>
-              <a:t>谷歌是最早开始无人驾驶汽车研究的企业之一，其代表着无人驾驶的最高水平。</a:t>
-            </a:r>
-            <a:r>
-              <a:rPr lang="en-US" altLang="zh-CN" sz="1200" kern="1200" dirty="0" smtClean="0">
-                <a:solidFill>
-                  <a:schemeClr val="tx1"/>
-                </a:solidFill>
-                <a:effectLst/>
-                <a:latin typeface="+mn-lt"/>
-                <a:ea typeface="+mn-ea"/>
-                <a:cs typeface="+mn-cs"/>
-              </a:rPr>
-              <a:t>2016</a:t>
-            </a:r>
-            <a:r>
-              <a:rPr lang="zh-CN" altLang="zh-CN" sz="1200" kern="1200" dirty="0" smtClean="0">
-                <a:solidFill>
-                  <a:schemeClr val="tx1"/>
-                </a:solidFill>
-                <a:effectLst/>
-                <a:latin typeface="+mn-lt"/>
-                <a:ea typeface="+mn-ea"/>
-                <a:cs typeface="+mn-cs"/>
-              </a:rPr>
-              <a:t>年</a:t>
-            </a:r>
-            <a:r>
-              <a:rPr lang="en-US" altLang="zh-CN" sz="1200" kern="1200" dirty="0" smtClean="0">
-                <a:solidFill>
-                  <a:schemeClr val="tx1"/>
-                </a:solidFill>
-                <a:effectLst/>
-                <a:latin typeface="+mn-lt"/>
-                <a:ea typeface="+mn-ea"/>
-                <a:cs typeface="+mn-cs"/>
-              </a:rPr>
-              <a:t>12</a:t>
-            </a:r>
-            <a:r>
-              <a:rPr lang="zh-CN" altLang="zh-CN" sz="1200" kern="1200" dirty="0" smtClean="0">
-                <a:solidFill>
-                  <a:schemeClr val="tx1"/>
-                </a:solidFill>
-                <a:effectLst/>
-                <a:latin typeface="+mn-lt"/>
-                <a:ea typeface="+mn-ea"/>
-                <a:cs typeface="+mn-cs"/>
-              </a:rPr>
-              <a:t>月</a:t>
-            </a:r>
-            <a:r>
-              <a:rPr lang="en-US" altLang="zh-CN" sz="1200" kern="1200" dirty="0" smtClean="0">
-                <a:solidFill>
-                  <a:schemeClr val="tx1"/>
-                </a:solidFill>
-                <a:effectLst/>
-                <a:latin typeface="+mn-lt"/>
-                <a:ea typeface="+mn-ea"/>
-                <a:cs typeface="+mn-cs"/>
-              </a:rPr>
-              <a:t>13</a:t>
-            </a:r>
-            <a:r>
-              <a:rPr lang="zh-CN" altLang="zh-CN" sz="1200" kern="1200" dirty="0" smtClean="0">
-                <a:solidFill>
-                  <a:schemeClr val="tx1"/>
-                </a:solidFill>
-                <a:effectLst/>
-                <a:latin typeface="+mn-lt"/>
-                <a:ea typeface="+mn-ea"/>
-                <a:cs typeface="+mn-cs"/>
-              </a:rPr>
-              <a:t>日成立无人驾驶独立公司</a:t>
-            </a:r>
-            <a:r>
-              <a:rPr lang="en-US" altLang="zh-CN" sz="1200" kern="1200" dirty="0" err="1" smtClean="0">
-                <a:solidFill>
-                  <a:schemeClr val="tx1"/>
-                </a:solidFill>
-                <a:effectLst/>
-                <a:latin typeface="+mn-lt"/>
-                <a:ea typeface="+mn-ea"/>
-                <a:cs typeface="+mn-cs"/>
-              </a:rPr>
-              <a:t>Waymo</a:t>
-            </a:r>
-            <a:r>
-              <a:rPr lang="zh-CN" altLang="zh-CN" sz="1200" kern="1200" dirty="0" smtClean="0">
-                <a:solidFill>
-                  <a:schemeClr val="tx1"/>
-                </a:solidFill>
-                <a:effectLst/>
-                <a:latin typeface="+mn-lt"/>
-                <a:ea typeface="+mn-ea"/>
-                <a:cs typeface="+mn-cs"/>
-              </a:rPr>
-              <a:t>，并将无人驾驶打车服务列入进程。</a:t>
-            </a:r>
-            <a:endParaRPr lang="en-US" altLang="zh-CN" sz="1200" kern="1200" dirty="0" smtClean="0">
-              <a:solidFill>
-                <a:schemeClr val="tx1"/>
-              </a:solidFill>
-              <a:effectLst/>
-              <a:latin typeface="+mn-lt"/>
-              <a:ea typeface="+mn-ea"/>
-              <a:cs typeface="+mn-cs"/>
-            </a:endParaRPr>
-          </a:p>
-          <a:p>
-            <a:r>
-              <a:rPr lang="en-US" altLang="zh-CN" sz="1200" b="1" kern="1200" dirty="0" smtClean="0">
-                <a:solidFill>
-                  <a:schemeClr val="tx1"/>
-                </a:solidFill>
-                <a:effectLst/>
-                <a:latin typeface="+mn-lt"/>
-                <a:ea typeface="+mn-ea"/>
-                <a:cs typeface="+mn-cs"/>
-              </a:rPr>
-              <a:t>Mobileye</a:t>
-            </a:r>
-            <a:r>
-              <a:rPr lang="en-US" altLang="zh-CN" sz="1200" kern="1200" dirty="0" smtClean="0">
-                <a:solidFill>
-                  <a:schemeClr val="tx1"/>
-                </a:solidFill>
-                <a:effectLst/>
-                <a:latin typeface="+mn-lt"/>
-                <a:ea typeface="+mn-ea"/>
-                <a:cs typeface="+mn-cs"/>
-              </a:rPr>
-              <a:t> </a:t>
-            </a:r>
-            <a:r>
-              <a:rPr lang="zh-CN" altLang="en-US" sz="1200" kern="1200" dirty="0" smtClean="0">
-                <a:solidFill>
-                  <a:schemeClr val="tx1"/>
-                </a:solidFill>
-                <a:effectLst/>
-                <a:latin typeface="+mn-lt"/>
-                <a:ea typeface="+mn-ea"/>
-                <a:cs typeface="+mn-cs"/>
-              </a:rPr>
-              <a:t>与</a:t>
-            </a:r>
-            <a:r>
-              <a:rPr lang="en-US" altLang="zh-CN" sz="1200" kern="1200" dirty="0" smtClean="0">
-                <a:solidFill>
-                  <a:schemeClr val="tx1"/>
-                </a:solidFill>
-                <a:effectLst/>
-                <a:latin typeface="+mn-lt"/>
-                <a:ea typeface="+mn-ea"/>
-                <a:cs typeface="+mn-cs"/>
-              </a:rPr>
-              <a:t>1999</a:t>
-            </a:r>
-            <a:r>
-              <a:rPr lang="zh-CN" altLang="en-US" sz="1200" kern="1200" dirty="0" smtClean="0">
-                <a:solidFill>
-                  <a:schemeClr val="tx1"/>
-                </a:solidFill>
-                <a:effectLst/>
-                <a:latin typeface="+mn-lt"/>
-                <a:ea typeface="+mn-ea"/>
-                <a:cs typeface="+mn-cs"/>
-              </a:rPr>
-              <a:t>年成立，专注于基于视觉的</a:t>
-            </a:r>
-            <a:r>
-              <a:rPr lang="en-US" altLang="zh-CN" sz="1200" kern="1200" dirty="0" smtClean="0">
-                <a:solidFill>
-                  <a:schemeClr val="tx1"/>
-                </a:solidFill>
-                <a:effectLst/>
-                <a:latin typeface="+mn-lt"/>
-                <a:ea typeface="+mn-ea"/>
-                <a:cs typeface="+mn-cs"/>
-              </a:rPr>
-              <a:t>ADAS</a:t>
-            </a:r>
-            <a:r>
-              <a:rPr lang="zh-CN" altLang="en-US" sz="1200" kern="1200" dirty="0" smtClean="0">
-                <a:solidFill>
-                  <a:schemeClr val="tx1"/>
-                </a:solidFill>
-                <a:effectLst/>
-                <a:latin typeface="+mn-lt"/>
-                <a:ea typeface="+mn-ea"/>
-                <a:cs typeface="+mn-cs"/>
-              </a:rPr>
-              <a:t>系统开发，已经发展为辅助驾驶领域的巨头公司。</a:t>
-            </a:r>
-            <a:endParaRPr lang="en-US" altLang="zh-CN" sz="1200" kern="1200" dirty="0" smtClean="0">
-              <a:solidFill>
-                <a:schemeClr val="tx1"/>
-              </a:solidFill>
-              <a:effectLst/>
-              <a:latin typeface="+mn-lt"/>
-              <a:ea typeface="+mn-ea"/>
-              <a:cs typeface="+mn-cs"/>
-            </a:endParaRPr>
-          </a:p>
-          <a:p>
-            <a:r>
-              <a:rPr lang="zh-CN" altLang="en-US" dirty="0" smtClean="0"/>
-              <a:t>以上只是几个比较典型的例子 ，事实上，国内在智能车未来挑战赛的推动下很多高校及企业也在积极开展智能汽车的研究工作。此领域的初创公司更是如雨后春笋般发展起来。地平线、和赛科技、极目科技等等。因此，自动驾驶技术的发展方形未艾。</a:t>
-            </a:r>
-            <a:endParaRPr lang="en-US" altLang="zh-CN" dirty="0" smtClean="0"/>
-          </a:p>
-          <a:p>
-            <a:endParaRPr lang="en-US" altLang="zh-CN" dirty="0" smtClean="0"/>
-          </a:p>
-          <a:p>
-            <a:r>
-              <a:rPr lang="zh-CN" altLang="en-US" dirty="0" smtClean="0"/>
-              <a:t>智能汽车技术的发展非常迅速，成果也非常丰富，但是特斯拉事件、包括谷歌推出的无人驾驶汽车服务只在限定区域开放等表明，距离全工况的自动驾驶的距离还很远。</a:t>
-            </a:r>
-            <a:endParaRPr lang="en-US" altLang="zh-CN" dirty="0" smtClean="0"/>
-          </a:p>
-          <a:p>
-            <a:r>
-              <a:rPr lang="zh-CN" altLang="en-US" dirty="0" smtClean="0"/>
-              <a:t>智能汽车与外部环境组成的是一个大的闭环，环境感知模块对外界环境的障碍物、行人、车辆等目标的位置、状态进行识别，基于此，智能决策系统规划车的轨迹及控制策略，进而控制车辆以合理的方式移动。本车的移动带来与外部环境的交互，再由环境感知模块进行感知。整个是一个闭环系统。可以看出，环境感知系统是整个系统中非常重要的部分。而本课题就关注环境感知系统中的车辆跟踪问题。</a:t>
-            </a:r>
-            <a:endParaRPr lang="en-US" altLang="zh-CN" dirty="0" smtClean="0"/>
-          </a:p>
-          <a:p>
-            <a:endParaRPr lang="en-US" altLang="zh-CN" dirty="0" smtClean="0"/>
-          </a:p>
-          <a:p>
-            <a:r>
-              <a:rPr lang="zh-CN" altLang="en-US" dirty="0" smtClean="0"/>
-              <a:t>多目标跟踪技术是对传感器检测区域内多移动目标的数目及其状态进行估计，为目标运动态势分析及规划决策提供基础。其最早在雷达监控、航空航天领域得到关注与研究，近年来在民用领域的应用越来越多。</a:t>
+              <a:t>所以矿区的无人化具有广泛的市场前景。矿区的机器人可以在以下三个方面发挥重要作用。一是地下搜救。。。</a:t>
             </a:r>
             <a:endParaRPr lang="en-US" altLang="zh-CN" dirty="0" smtClean="0"/>
           </a:p>
@@ -2147,447 +1752,56 @@
           <a:lstStyle/>
           <a:p>
             <a:r>
-              <a:rPr lang="zh-CN" altLang="en-US" b="1" dirty="0" smtClean="0"/>
-              <a:t>卡耐基梅隆大学 </a:t>
-            </a:r>
-            <a:r>
               <a:rPr lang="zh-CN" altLang="en-US" dirty="0" smtClean="0"/>
-              <a:t>于</a:t>
+              <a:t>地下矿精确定位存在以下难点，一是无</a:t>
             </a:r>
             <a:r>
               <a:rPr lang="en-US" altLang="zh-CN" dirty="0" smtClean="0"/>
-              <a:t>1995</a:t>
+              <a:t>GPS</a:t>
             </a:r>
             <a:r>
               <a:rPr lang="zh-CN" altLang="en-US" dirty="0" smtClean="0"/>
-              <a:t>年研制成功了</a:t>
-            </a:r>
-            <a:r>
-              <a:rPr lang="en-US" altLang="zh-CN" sz="1200" kern="1200" dirty="0" err="1" smtClean="0">
-                <a:solidFill>
-                  <a:schemeClr val="tx1"/>
-                </a:solidFill>
-                <a:effectLst/>
-                <a:latin typeface="+mn-lt"/>
-                <a:ea typeface="+mn-ea"/>
-                <a:cs typeface="+mn-cs"/>
-              </a:rPr>
-              <a:t>Navlab</a:t>
-            </a:r>
-            <a:r>
-              <a:rPr lang="en-US" altLang="zh-CN" sz="1200" kern="1200" dirty="0" smtClean="0">
-                <a:solidFill>
-                  <a:schemeClr val="tx1"/>
-                </a:solidFill>
-                <a:effectLst/>
-                <a:latin typeface="+mn-lt"/>
-                <a:ea typeface="+mn-ea"/>
-                <a:cs typeface="+mn-cs"/>
-              </a:rPr>
-              <a:t>-V</a:t>
-            </a:r>
-            <a:r>
-              <a:rPr lang="zh-CN" altLang="zh-CN" sz="1200" kern="1200" dirty="0" smtClean="0">
-                <a:solidFill>
-                  <a:schemeClr val="tx1"/>
-                </a:solidFill>
-                <a:effectLst/>
-                <a:latin typeface="+mn-lt"/>
-                <a:ea typeface="+mn-ea"/>
-                <a:cs typeface="+mn-cs"/>
-              </a:rPr>
-              <a:t>无人驾驶汽车，实现了美国东西海岸的无人驾驶实验</a:t>
-            </a:r>
-            <a:r>
-              <a:rPr lang="zh-CN" altLang="en-US" sz="1200" kern="1200" dirty="0" smtClean="0">
-                <a:solidFill>
-                  <a:schemeClr val="tx1"/>
-                </a:solidFill>
-                <a:effectLst/>
-                <a:latin typeface="+mn-lt"/>
-                <a:ea typeface="+mn-ea"/>
-                <a:cs typeface="+mn-cs"/>
-              </a:rPr>
-              <a:t>。在全长</a:t>
-            </a:r>
-            <a:r>
-              <a:rPr lang="en-US" altLang="zh-CN" sz="1200" kern="1200" dirty="0" smtClean="0">
-                <a:solidFill>
-                  <a:schemeClr val="tx1"/>
-                </a:solidFill>
-                <a:effectLst/>
-                <a:latin typeface="+mn-lt"/>
-                <a:ea typeface="+mn-ea"/>
-                <a:cs typeface="+mn-cs"/>
-              </a:rPr>
-              <a:t>5000km</a:t>
-            </a:r>
-            <a:r>
-              <a:rPr lang="zh-CN" altLang="en-US" sz="1200" kern="1200" dirty="0" smtClean="0">
-                <a:solidFill>
-                  <a:schemeClr val="tx1"/>
-                </a:solidFill>
-                <a:effectLst/>
-                <a:latin typeface="+mn-lt"/>
-                <a:ea typeface="+mn-ea"/>
-                <a:cs typeface="+mn-cs"/>
-              </a:rPr>
-              <a:t>的美国洲际高速公路上，</a:t>
-            </a:r>
-            <a:r>
-              <a:rPr lang="en-US" altLang="zh-CN" sz="1200" kern="1200" dirty="0" smtClean="0">
-                <a:solidFill>
-                  <a:schemeClr val="tx1"/>
-                </a:solidFill>
-                <a:effectLst/>
-                <a:latin typeface="+mn-lt"/>
-                <a:ea typeface="+mn-ea"/>
-                <a:cs typeface="+mn-cs"/>
-              </a:rPr>
-              <a:t>96%</a:t>
-            </a:r>
-            <a:r>
-              <a:rPr lang="zh-CN" altLang="en-US" sz="1200" kern="1200" dirty="0" smtClean="0">
-                <a:solidFill>
-                  <a:schemeClr val="tx1"/>
-                </a:solidFill>
-                <a:effectLst/>
-                <a:latin typeface="+mn-lt"/>
-                <a:ea typeface="+mn-ea"/>
-                <a:cs typeface="+mn-cs"/>
-              </a:rPr>
-              <a:t>的路程是自动驾驶的。</a:t>
-            </a:r>
-            <a:endParaRPr lang="en-US" altLang="zh-CN" sz="1200" kern="1200" dirty="0" smtClean="0">
-              <a:solidFill>
-                <a:schemeClr val="tx1"/>
-              </a:solidFill>
-              <a:effectLst/>
-              <a:latin typeface="+mn-lt"/>
-              <a:ea typeface="+mn-ea"/>
-              <a:cs typeface="+mn-cs"/>
-            </a:endParaRPr>
-          </a:p>
-          <a:p>
-            <a:r>
-              <a:rPr lang="zh-CN" altLang="en-US" b="1" dirty="0" smtClean="0"/>
-              <a:t>斯坦福大学</a:t>
+              <a:t>，所以需要</a:t>
+            </a:r>
+            <a:r>
+              <a:rPr lang="en-US" altLang="zh-CN" dirty="0" smtClean="0"/>
+              <a:t>SLAM</a:t>
             </a:r>
             <a:r>
               <a:rPr lang="zh-CN" altLang="en-US" dirty="0" smtClean="0"/>
-              <a:t> </a:t>
+              <a:t>定位。而且环境阴暗潮湿、机器人打滑，并且路面不平，机器人抖动大，对机器人的位姿估计提出很大挑战。而地下矿的光照条件差，视觉</a:t>
             </a:r>
             <a:r>
               <a:rPr lang="en-US" altLang="zh-CN" dirty="0" smtClean="0"/>
-              <a:t>2005</a:t>
+              <a:t>SLAM</a:t>
             </a:r>
             <a:r>
               <a:rPr lang="zh-CN" altLang="en-US" dirty="0" smtClean="0"/>
-              <a:t>年在美国</a:t>
-            </a:r>
-            <a:r>
-              <a:rPr lang="zh-CN" altLang="zh-CN" sz="1200" kern="1200" dirty="0" smtClean="0">
-                <a:solidFill>
-                  <a:schemeClr val="tx1"/>
-                </a:solidFill>
-                <a:effectLst/>
-                <a:latin typeface="+mn-lt"/>
-                <a:ea typeface="+mn-ea"/>
-                <a:cs typeface="+mn-cs"/>
-              </a:rPr>
-              <a:t>国防部主办的智能车挑战赛上，斯坦福大学开发的</a:t>
-            </a:r>
-            <a:r>
-              <a:rPr lang="en-US" altLang="zh-CN" sz="1200" kern="1200" dirty="0" smtClean="0">
-                <a:solidFill>
-                  <a:schemeClr val="tx1"/>
-                </a:solidFill>
-                <a:effectLst/>
-                <a:latin typeface="+mn-lt"/>
-                <a:ea typeface="+mn-ea"/>
-                <a:cs typeface="+mn-cs"/>
-              </a:rPr>
-              <a:t>Stanley</a:t>
-            </a:r>
-            <a:r>
-              <a:rPr lang="zh-CN" altLang="zh-CN" sz="1200" kern="1200" dirty="0" smtClean="0">
-                <a:solidFill>
-                  <a:schemeClr val="tx1"/>
-                </a:solidFill>
-                <a:effectLst/>
-                <a:latin typeface="+mn-lt"/>
-                <a:ea typeface="+mn-ea"/>
-                <a:cs typeface="+mn-cs"/>
-              </a:rPr>
-              <a:t>无人驾驶汽车力压卡内基梅隆大学，夺得第一名。</a:t>
-            </a:r>
-            <a:endParaRPr lang="en-US" altLang="zh-CN" sz="1200" kern="1200" dirty="0" smtClean="0">
-              <a:solidFill>
-                <a:schemeClr val="tx1"/>
-              </a:solidFill>
-              <a:effectLst/>
-              <a:latin typeface="+mn-lt"/>
-              <a:ea typeface="+mn-ea"/>
-              <a:cs typeface="+mn-cs"/>
-            </a:endParaRPr>
-          </a:p>
-          <a:p>
-            <a:r>
-              <a:rPr lang="zh-CN" altLang="en-US" sz="1200" b="1" kern="1200" dirty="0" smtClean="0">
-                <a:solidFill>
-                  <a:schemeClr val="tx1"/>
-                </a:solidFill>
-                <a:effectLst/>
-                <a:latin typeface="+mn-lt"/>
-                <a:ea typeface="+mn-ea"/>
-                <a:cs typeface="+mn-cs"/>
-              </a:rPr>
-              <a:t>谷歌 </a:t>
-            </a:r>
-            <a:r>
-              <a:rPr lang="zh-CN" altLang="en-US" sz="1200" kern="1200" dirty="0" smtClean="0">
-                <a:solidFill>
-                  <a:schemeClr val="tx1"/>
-                </a:solidFill>
-                <a:effectLst/>
-                <a:latin typeface="+mn-lt"/>
-                <a:ea typeface="+mn-ea"/>
-                <a:cs typeface="+mn-cs"/>
-              </a:rPr>
-              <a:t>谷歌是最早开始无人驾驶汽车研究的企业之一，其代表着无人驾驶的最高水平。</a:t>
-            </a:r>
-            <a:r>
-              <a:rPr lang="en-US" altLang="zh-CN" sz="1200" kern="1200" dirty="0" smtClean="0">
-                <a:solidFill>
-                  <a:schemeClr val="tx1"/>
-                </a:solidFill>
-                <a:effectLst/>
-                <a:latin typeface="+mn-lt"/>
-                <a:ea typeface="+mn-ea"/>
-                <a:cs typeface="+mn-cs"/>
-              </a:rPr>
-              <a:t>2016</a:t>
-            </a:r>
-            <a:r>
-              <a:rPr lang="zh-CN" altLang="zh-CN" sz="1200" kern="1200" dirty="0" smtClean="0">
-                <a:solidFill>
-                  <a:schemeClr val="tx1"/>
-                </a:solidFill>
-                <a:effectLst/>
-                <a:latin typeface="+mn-lt"/>
-                <a:ea typeface="+mn-ea"/>
-                <a:cs typeface="+mn-cs"/>
-              </a:rPr>
-              <a:t>年</a:t>
-            </a:r>
-            <a:r>
-              <a:rPr lang="en-US" altLang="zh-CN" sz="1200" kern="1200" dirty="0" smtClean="0">
-                <a:solidFill>
-                  <a:schemeClr val="tx1"/>
-                </a:solidFill>
-                <a:effectLst/>
-                <a:latin typeface="+mn-lt"/>
-                <a:ea typeface="+mn-ea"/>
-                <a:cs typeface="+mn-cs"/>
-              </a:rPr>
-              <a:t>12</a:t>
-            </a:r>
-            <a:r>
-              <a:rPr lang="zh-CN" altLang="zh-CN" sz="1200" kern="1200" dirty="0" smtClean="0">
-                <a:solidFill>
-                  <a:schemeClr val="tx1"/>
-                </a:solidFill>
-                <a:effectLst/>
-                <a:latin typeface="+mn-lt"/>
-                <a:ea typeface="+mn-ea"/>
-                <a:cs typeface="+mn-cs"/>
-              </a:rPr>
-              <a:t>月</a:t>
-            </a:r>
-            <a:r>
-              <a:rPr lang="en-US" altLang="zh-CN" sz="1200" kern="1200" dirty="0" smtClean="0">
-                <a:solidFill>
-                  <a:schemeClr val="tx1"/>
-                </a:solidFill>
-                <a:effectLst/>
-                <a:latin typeface="+mn-lt"/>
-                <a:ea typeface="+mn-ea"/>
-                <a:cs typeface="+mn-cs"/>
-              </a:rPr>
-              <a:t>13</a:t>
-            </a:r>
-            <a:r>
-              <a:rPr lang="zh-CN" altLang="zh-CN" sz="1200" kern="1200" dirty="0" smtClean="0">
-                <a:solidFill>
-                  <a:schemeClr val="tx1"/>
-                </a:solidFill>
-                <a:effectLst/>
-                <a:latin typeface="+mn-lt"/>
-                <a:ea typeface="+mn-ea"/>
-                <a:cs typeface="+mn-cs"/>
-              </a:rPr>
-              <a:t>日成立无人驾驶独立公司</a:t>
-            </a:r>
-            <a:r>
-              <a:rPr lang="en-US" altLang="zh-CN" sz="1200" kern="1200" dirty="0" err="1" smtClean="0">
-                <a:solidFill>
-                  <a:schemeClr val="tx1"/>
-                </a:solidFill>
-                <a:effectLst/>
-                <a:latin typeface="+mn-lt"/>
-                <a:ea typeface="+mn-ea"/>
-                <a:cs typeface="+mn-cs"/>
-              </a:rPr>
-              <a:t>Waymo</a:t>
-            </a:r>
-            <a:r>
-              <a:rPr lang="zh-CN" altLang="zh-CN" sz="1200" kern="1200" dirty="0" smtClean="0">
-                <a:solidFill>
-                  <a:schemeClr val="tx1"/>
-                </a:solidFill>
-                <a:effectLst/>
-                <a:latin typeface="+mn-lt"/>
-                <a:ea typeface="+mn-ea"/>
-                <a:cs typeface="+mn-cs"/>
-              </a:rPr>
-              <a:t>，并将无人驾驶打车服务列入进程。</a:t>
-            </a:r>
-            <a:endParaRPr lang="en-US" altLang="zh-CN" sz="1200" kern="1200" dirty="0" smtClean="0">
-              <a:solidFill>
-                <a:schemeClr val="tx1"/>
-              </a:solidFill>
-              <a:effectLst/>
-              <a:latin typeface="+mn-lt"/>
-              <a:ea typeface="+mn-ea"/>
-              <a:cs typeface="+mn-cs"/>
-            </a:endParaRPr>
-          </a:p>
-          <a:p>
-            <a:r>
-              <a:rPr lang="en-US" altLang="zh-CN" sz="1200" b="1" kern="1200" dirty="0" smtClean="0">
-                <a:solidFill>
-                  <a:schemeClr val="tx1"/>
-                </a:solidFill>
-                <a:effectLst/>
-                <a:latin typeface="+mn-lt"/>
-                <a:ea typeface="+mn-ea"/>
-                <a:cs typeface="+mn-cs"/>
-              </a:rPr>
-              <a:t>Mobileye</a:t>
-            </a:r>
-            <a:r>
-              <a:rPr lang="en-US" altLang="zh-CN" sz="1200" kern="1200" dirty="0" smtClean="0">
-                <a:solidFill>
-                  <a:schemeClr val="tx1"/>
-                </a:solidFill>
-                <a:effectLst/>
-                <a:latin typeface="+mn-lt"/>
-                <a:ea typeface="+mn-ea"/>
-                <a:cs typeface="+mn-cs"/>
-              </a:rPr>
-              <a:t> </a:t>
-            </a:r>
-            <a:r>
-              <a:rPr lang="zh-CN" altLang="en-US" sz="1200" kern="1200" dirty="0" smtClean="0">
-                <a:solidFill>
-                  <a:schemeClr val="tx1"/>
-                </a:solidFill>
-                <a:effectLst/>
-                <a:latin typeface="+mn-lt"/>
-                <a:ea typeface="+mn-ea"/>
-                <a:cs typeface="+mn-cs"/>
-              </a:rPr>
-              <a:t>与</a:t>
-            </a:r>
-            <a:r>
-              <a:rPr lang="en-US" altLang="zh-CN" sz="1200" kern="1200" dirty="0" smtClean="0">
-                <a:solidFill>
-                  <a:schemeClr val="tx1"/>
-                </a:solidFill>
-                <a:effectLst/>
-                <a:latin typeface="+mn-lt"/>
-                <a:ea typeface="+mn-ea"/>
-                <a:cs typeface="+mn-cs"/>
-              </a:rPr>
-              <a:t>1999</a:t>
-            </a:r>
-            <a:r>
-              <a:rPr lang="zh-CN" altLang="en-US" sz="1200" kern="1200" dirty="0" smtClean="0">
-                <a:solidFill>
-                  <a:schemeClr val="tx1"/>
-                </a:solidFill>
-                <a:effectLst/>
-                <a:latin typeface="+mn-lt"/>
-                <a:ea typeface="+mn-ea"/>
-                <a:cs typeface="+mn-cs"/>
-              </a:rPr>
-              <a:t>年成立，专注于基于视觉的</a:t>
-            </a:r>
-            <a:r>
-              <a:rPr lang="en-US" altLang="zh-CN" sz="1200" kern="1200" dirty="0" smtClean="0">
-                <a:solidFill>
-                  <a:schemeClr val="tx1"/>
-                </a:solidFill>
-                <a:effectLst/>
-                <a:latin typeface="+mn-lt"/>
-                <a:ea typeface="+mn-ea"/>
-                <a:cs typeface="+mn-cs"/>
-              </a:rPr>
-              <a:t>ADAS</a:t>
-            </a:r>
-            <a:r>
-              <a:rPr lang="zh-CN" altLang="en-US" sz="1200" kern="1200" dirty="0" smtClean="0">
-                <a:solidFill>
-                  <a:schemeClr val="tx1"/>
-                </a:solidFill>
-                <a:effectLst/>
-                <a:latin typeface="+mn-lt"/>
-                <a:ea typeface="+mn-ea"/>
-                <a:cs typeface="+mn-cs"/>
-              </a:rPr>
-              <a:t>系统开发，已经发展为辅助驾驶领域的巨头公司。</a:t>
-            </a:r>
-            <a:endParaRPr lang="en-US" altLang="zh-CN" sz="1200" kern="1200" dirty="0" smtClean="0">
-              <a:solidFill>
-                <a:schemeClr val="tx1"/>
-              </a:solidFill>
-              <a:effectLst/>
-              <a:latin typeface="+mn-lt"/>
-              <a:ea typeface="+mn-ea"/>
-              <a:cs typeface="+mn-cs"/>
-            </a:endParaRPr>
-          </a:p>
-          <a:p>
+              <a:t>难以适用，所以当前的很多研究都是集中在激光</a:t>
+            </a:r>
+            <a:r>
+              <a:rPr lang="en-US" altLang="zh-CN" dirty="0" smtClean="0"/>
+              <a:t>SLAM</a:t>
+            </a:r>
             <a:r>
               <a:rPr lang="zh-CN" altLang="en-US" dirty="0" smtClean="0"/>
-              <a:t>以上只是几个比较典型的例子 ，事实上，国内在智能车未来挑战赛的推动下很多高校及企业也在积极开展智能汽车的研究工作。此领域的初创公司更是如雨后春笋般发展起来。地平线、和赛科技、极目科技等等。因此，自动驾驶技术的发展方形未艾。</a:t>
-            </a:r>
-            <a:endParaRPr lang="en-US" altLang="zh-CN" dirty="0" smtClean="0"/>
-          </a:p>
-          <a:p>
-            <a:endParaRPr lang="en-US" altLang="zh-CN" dirty="0" smtClean="0"/>
-          </a:p>
-          <a:p>
+              <a:t>定位。但是因为地下矿非结构化的表面，且很多地方特征相似，激光</a:t>
+            </a:r>
+            <a:r>
+              <a:rPr lang="en-US" altLang="zh-CN" dirty="0" smtClean="0"/>
+              <a:t>SLAM</a:t>
+            </a:r>
             <a:r>
               <a:rPr lang="zh-CN" altLang="en-US" dirty="0" smtClean="0"/>
-              <a:t>智能汽车技术的发展非常迅速，成果也非常丰富，但是特斯拉事件、包括谷歌推出的无人驾驶汽车服务只在限定区域开放等表明，距离全工况的自动驾驶的距离还很远。</a:t>
-            </a:r>
-            <a:endParaRPr lang="en-US" altLang="zh-CN" dirty="0" smtClean="0"/>
-          </a:p>
-          <a:p>
+              <a:t>的定位也容易漂移，所以激光</a:t>
+            </a:r>
+            <a:r>
+              <a:rPr lang="en-US" altLang="zh-CN" dirty="0" smtClean="0"/>
+              <a:t>SLAM</a:t>
+            </a:r>
             <a:r>
               <a:rPr lang="zh-CN" altLang="en-US" dirty="0" smtClean="0"/>
-              <a:t>智能汽车与外部环境组成的是一个大的闭环，环境感知模块对外界环境的障碍物、行人、车辆等目标的位置、状态进行识别，基于此，智能决策系统规划车的轨迹及控制策略，进而控制车辆以合理的方式移动。本车的移动带来与外部环境的交互，再由环境感知模块进行感知。整个是一个闭环系统。可以看出，环境感知系统是整个系统中非常重要的部分。而本课题就关注环境感知系统中的车辆跟踪问题。</a:t>
-            </a:r>
-            <a:endParaRPr lang="en-US" altLang="zh-CN" dirty="0" smtClean="0"/>
-          </a:p>
-          <a:p>
-            <a:endParaRPr lang="en-US" altLang="zh-CN" dirty="0" smtClean="0"/>
-          </a:p>
-          <a:p>
-            <a:r>
-              <a:rPr lang="zh-CN" altLang="en-US" dirty="0" smtClean="0"/>
-              <a:t>多目标跟踪技术是对传感器检测区域内多移动目标的数目及其状态进行估计，为目标运动态势分析及规划决策提供基础。其最早在雷达监控、航空航天领域得到关注与研究，近年来在民用领域的应用越来越多。</a:t>
+              <a:t>定位也存在问题。</a:t>
             </a:r>
             <a:endParaRPr lang="en-US" altLang="zh-CN" dirty="0" smtClean="0"/>
           </a:p>
@@ -2673,6 +1887,10 @@
           <a:bodyPr/>
           <a:lstStyle/>
           <a:p>
+            <a:r>
+              <a:rPr lang="zh-CN" altLang="en-US" dirty="0" smtClean="0"/>
+              <a:t>这里列出当下四种典型的地下矿定位方式</a:t>
+            </a:r>
             <a:endParaRPr lang="zh-CN" altLang="en-US" dirty="0"/>
           </a:p>
         </p:txBody>
@@ -2780,19 +1998,7 @@
                   <a:rPr lang="zh-CN" altLang="en-US" b="0" i="0" dirty="0" smtClean="0">
                     <a:latin typeface="Cambria Math" panose="02040503050406030204" pitchFamily="18" charset="0"/>
                   </a:rPr>
-                  <a:t>基于对以上文献的学习和思考，本课题想采用三维激光雷达作为传感器，基于扩展目标多伯努利滤波器开展多车跟踪的研究。此课题主要基于</a:t>
-                </a:r>
-                <a:r>
-                  <a:rPr lang="en-US" altLang="zh-CN" b="0" i="0" dirty="0" smtClean="0">
-                    <a:latin typeface="Cambria Math" panose="02040503050406030204" pitchFamily="18" charset="0"/>
-                  </a:rPr>
-                  <a:t>Karl</a:t>
-                </a:r>
-                <a:r>
-                  <a:rPr lang="zh-CN" altLang="en-US" b="0" i="0" dirty="0" smtClean="0">
-                    <a:latin typeface="Cambria Math" panose="02040503050406030204" pitchFamily="18" charset="0"/>
-                  </a:rPr>
-                  <a:t>开展的工作，总结并发掘出一些尚未解决的关键问题。</a:t>
+                  <a:t>基于对以上文献的学习和思考，本课题想采用三维激光雷达作为传感器，解决地下矿定位建图的两个关键问题。</a:t>
                 </a:r>
                 <a:endParaRPr lang="en-US" altLang="zh-CN" b="0" i="0" dirty="0" smtClean="0">
                   <a:latin typeface="Cambria Math" panose="02040503050406030204" pitchFamily="18" charset="0"/>
@@ -2816,7 +2022,13 @@
                   <a:tabLst/>
                   <a:defRPr/>
                 </a:pPr>
-                <a:endParaRPr lang="en-US" altLang="zh-CN" b="0" i="1" dirty="0" smtClean="0">
+                <a:r>
+                  <a:rPr lang="zh-CN" altLang="en-US" b="0" i="0" dirty="0" smtClean="0">
+                    <a:latin typeface="Cambria Math" panose="02040503050406030204" pitchFamily="18" charset="0"/>
+                  </a:rPr>
+                  <a:t>一是在特征稀少的地下矿建图的漂移问题。如图所示，因为地下矿隧道点云特征稀少，匹配准确度不高，导致位姿估计误差较大，平面的矿区最终发生了翘曲。</a:t>
+                </a:r>
+                <a:endParaRPr lang="en-US" altLang="zh-CN" b="0" i="0" dirty="0" smtClean="0">
                   <a:latin typeface="Cambria Math" panose="02040503050406030204" pitchFamily="18" charset="0"/>
                 </a:endParaRPr>
               </a:p>
@@ -2838,100 +2050,11 @@
                   <a:tabLst/>
                   <a:defRPr/>
                 </a:pPr>
-                <a:endParaRPr lang="en-US" altLang="zh-CN" b="0" i="1" dirty="0" smtClean="0">
-                  <a:latin typeface="Cambria Math" panose="02040503050406030204" pitchFamily="18" charset="0"/>
-                </a:endParaRPr>
-              </a:p>
-              <a:p>
-                <a:pPr marL="0" marR="0" lvl="0" indent="0" algn="l" defTabSz="914400" rtl="0" eaLnBrk="1" fontAlgn="auto" latinLnBrk="0" hangingPunct="1">
-                  <a:lnSpc>
-                    <a:spcPct val="100000"/>
-                  </a:lnSpc>
-                  <a:spcBef>
-                    <a:spcPts val="0"/>
-                  </a:spcBef>
-                  <a:spcAft>
-                    <a:spcPts val="0"/>
-                  </a:spcAft>
-                  <a:buClrTx/>
-                  <a:buSzTx/>
-                  <a:buFontTx/>
-                  <a:buNone/>
-                  <a:tabLst/>
-                  <a:defRPr/>
-                </a:pPr>
-                <a14:m>
-                  <m:oMath xmlns:m="http://schemas.openxmlformats.org/officeDocument/2006/math">
-                    <m:sSub>
-                      <m:sSubPr>
-                        <m:ctrlPr>
-                          <a:rPr lang="en-US" altLang="zh-CN" b="0" i="1" smtClean="0">
-                            <a:latin typeface="Cambria Math" panose="02040503050406030204" pitchFamily="18" charset="0"/>
-                          </a:rPr>
-                        </m:ctrlPr>
-                      </m:sSubPr>
-                      <m:e>
-                        <m:r>
-                          <a:rPr lang="en-US" altLang="zh-CN" b="0" i="1" smtClean="0">
-                            <a:latin typeface="Cambria Math" panose="02040503050406030204" pitchFamily="18" charset="0"/>
-                          </a:rPr>
-                          <m:t>𝑃</m:t>
-                        </m:r>
-                      </m:e>
-                      <m:sub>
-                        <m:r>
-                          <a:rPr lang="en-US" altLang="zh-CN" b="0" i="1" smtClean="0">
-                            <a:latin typeface="Cambria Math" panose="02040503050406030204" pitchFamily="18" charset="0"/>
-                          </a:rPr>
-                          <m:t>𝐺</m:t>
-                        </m:r>
-                      </m:sub>
-                    </m:sSub>
-                  </m:oMath>
-                </a14:m>
                 <a:r>
-                  <a:rPr lang="zh-CN" altLang="en-US" dirty="0" smtClean="0"/>
-                  <a:t>表示将两个量测划分为一个集合的概率</a:t>
-                </a:r>
-                <a:r>
-                  <a:rPr lang="en-US" altLang="zh-CN" dirty="0" smtClean="0"/>
-                  <a:t>/</a:t>
-                </a:r>
-                <a:r>
-                  <a:rPr lang="zh-CN" altLang="en-US" dirty="0" smtClean="0"/>
-                  <a:t>可能性</a:t>
-                </a:r>
-                <a:endParaRPr lang="en-US" altLang="zh-CN" dirty="0" smtClean="0"/>
-              </a:p>
-              <a:p>
-                <a:pPr marL="0" marR="0" lvl="0" indent="0" algn="l" defTabSz="914400" rtl="0" eaLnBrk="1" fontAlgn="auto" latinLnBrk="0" hangingPunct="1">
-                  <a:lnSpc>
-                    <a:spcPct val="100000"/>
-                  </a:lnSpc>
-                  <a:spcBef>
-                    <a:spcPts val="0"/>
-                  </a:spcBef>
-                  <a:spcAft>
-                    <a:spcPts val="0"/>
-                  </a:spcAft>
-                  <a:buClrTx/>
-                  <a:buSzTx/>
-                  <a:buFontTx/>
-                  <a:buNone/>
-                  <a:tabLst/>
-                  <a:defRPr/>
-                </a:pPr>
-                <a:r>
-                  <a:rPr lang="zh-CN" altLang="en-US" dirty="0" smtClean="0"/>
-                  <a:t>依据</a:t>
-                </a:r>
-                <a:r>
-                  <a:rPr lang="en-US" altLang="zh-CN" dirty="0" err="1" smtClean="0"/>
-                  <a:t>pg</a:t>
-                </a:r>
-                <a:r>
-                  <a:rPr lang="zh-CN" altLang="en-US" dirty="0" smtClean="0"/>
-                  <a:t>进行阈值的设定，实现自己的划分。</a:t>
+                  <a:rPr lang="zh-CN" altLang="en-US" b="0" i="0" dirty="0" smtClean="0">
+                    <a:latin typeface="Cambria Math" panose="02040503050406030204" pitchFamily="18" charset="0"/>
+                  </a:rPr>
+                  <a:t>二是地下矿回环检测的准确率不高的问题。如图所示，因为未能成功检测回环，导致估计的轨迹发生扭曲。</a:t>
                 </a:r>
                 <a:endParaRPr lang="en-US" altLang="zh-CN" dirty="0" smtClean="0"/>
               </a:p>
@@ -3275,11 +2398,84 @@
           <a:bodyPr/>
           <a:lstStyle/>
           <a:p>
+            <a:pPr marL="0" marR="0" indent="0" algn="l" defTabSz="914400" rtl="0" eaLnBrk="1" fontAlgn="auto" latinLnBrk="0" hangingPunct="1">
+              <a:lnSpc>
+                <a:spcPct val="100000"/>
+              </a:lnSpc>
+              <a:spcBef>
+                <a:spcPts val="0"/>
+              </a:spcBef>
+              <a:spcAft>
+                <a:spcPts val="0"/>
+              </a:spcAft>
+              <a:buClrTx/>
+              <a:buSzTx/>
+              <a:buFontTx/>
+              <a:buNone/>
+              <a:tabLst/>
+              <a:defRPr/>
+            </a:pPr>
             <a:r>
               <a:rPr lang="zh-CN" altLang="en-US" dirty="0" smtClean="0"/>
-              <a:t>三个问题的目前的解决办法及不足之处</a:t>
-            </a:r>
-            <a:endParaRPr lang="zh-CN" altLang="en-US" dirty="0"/>
+              <a:t>一是设计基于平面约束的激光里程计算法，解决特征稀少的地下矿建图的漂移问题。因为当前位姿匹配只是点约束，没有加入面约束。如果在优化函数中加入地面约束，能够提升前端里程计的精度。</a:t>
+            </a:r>
+            <a:endParaRPr lang="en-US" altLang="zh-CN" dirty="0" smtClean="0"/>
+          </a:p>
+          <a:p>
+            <a:pPr marL="0" marR="0" indent="0" algn="l" defTabSz="914400" rtl="0" eaLnBrk="1" fontAlgn="auto" latinLnBrk="0" hangingPunct="1">
+              <a:lnSpc>
+                <a:spcPct val="100000"/>
+              </a:lnSpc>
+              <a:spcBef>
+                <a:spcPts val="0"/>
+              </a:spcBef>
+              <a:spcAft>
+                <a:spcPts val="0"/>
+              </a:spcAft>
+              <a:buClrTx/>
+              <a:buSzTx/>
+              <a:buFontTx/>
+              <a:buNone/>
+              <a:tabLst/>
+              <a:defRPr/>
+            </a:pPr>
+            <a:r>
+              <a:rPr lang="zh-CN" altLang="en-US" dirty="0" smtClean="0"/>
+              <a:t>二是</a:t>
+            </a:r>
+            <a:r>
+              <a:rPr lang="zh-CN" altLang="en-US" dirty="0" smtClean="0"/>
+              <a:t>基于墙面轮廓约束和路口约束的回环检测算法，来提升回环检测的准确率。因为地下矿是一个类似隧道的场景，所以可以利用两边墙面来来进行回环检测的判定。而路口其实是最明显的特征。我们可以利用路口信息来进行更强的回环检测，提升准确率</a:t>
+            </a:r>
+            <a:r>
+              <a:rPr lang="zh-CN" altLang="en-US" dirty="0" smtClean="0"/>
+              <a:t>。</a:t>
+            </a:r>
+            <a:endParaRPr lang="en-US" altLang="zh-CN" dirty="0" smtClean="0"/>
+          </a:p>
+          <a:p>
+            <a:pPr marL="0" marR="0" indent="0" algn="l" defTabSz="914400" rtl="0" eaLnBrk="1" fontAlgn="auto" latinLnBrk="0" hangingPunct="1">
+              <a:lnSpc>
+                <a:spcPct val="100000"/>
+              </a:lnSpc>
+              <a:spcBef>
+                <a:spcPts val="0"/>
+              </a:spcBef>
+              <a:spcAft>
+                <a:spcPts val="0"/>
+              </a:spcAft>
+              <a:buClrTx/>
+              <a:buSzTx/>
+              <a:buFontTx/>
+              <a:buNone/>
+              <a:tabLst/>
+              <a:defRPr/>
+            </a:pPr>
+            <a:r>
+              <a:rPr lang="zh-CN" altLang="en-US" dirty="0" smtClean="0"/>
+              <a:t>（周围墙是弧形的，我们可以提取地面上一定高度以内的点云作为墙壁点云，提取墙壁的平面约束）</a:t>
+            </a:r>
+            <a:endParaRPr lang="en-US" altLang="zh-CN" dirty="0" smtClean="0"/>
           </a:p>
         </p:txBody>
       </p:sp>
@@ -3367,32 +2563,12 @@
               <a:p>
                 <a:r>
                   <a:rPr lang="zh-CN" altLang="en-US" b="0" dirty="0" smtClean="0"/>
-                  <a:t>结合上述的关键问题及课题目标，总结出以下五个研究内容：</a:t>
+                  <a:t>结合上述的关键问题及课题目标，总结出以下三个研究内容：</a:t>
                 </a:r>
                 <a:endParaRPr lang="en-US" altLang="zh-CN" b="0" dirty="0" smtClean="0"/>
               </a:p>
               <a:p>
                 <a:endParaRPr lang="en-US" altLang="zh-CN" b="0" dirty="0" smtClean="0"/>
-              </a:p>
-              <a:p>
-                <a:endParaRPr lang="en-US" altLang="zh-CN" b="0" dirty="0" smtClean="0"/>
-              </a:p>
-              <a:p>
-                <a:endParaRPr lang="en-US" altLang="zh-CN" b="0" dirty="0" smtClean="0"/>
-              </a:p>
-              <a:p>
-                <a:r>
-                  <a:rPr lang="zh-CN" altLang="en-US" b="0" dirty="0" smtClean="0"/>
-                  <a:t>课题目标： 实现多车跟踪 解决多车跟踪中遮挡、量测划分等问题</a:t>
-                </a:r>
-                <a:endParaRPr lang="en-US" altLang="zh-CN" b="0" dirty="0" smtClean="0"/>
-              </a:p>
-              <a:p>
-                <a:r>
-                  <a:rPr lang="zh-CN" altLang="en-US" dirty="0" smtClean="0"/>
-                  <a:t>科学问题要在这里提出！</a:t>
-                </a:r>
-                <a:endParaRPr lang="zh-CN" altLang="en-US" dirty="0"/>
               </a:p>
             </p:txBody>
           </p:sp>
@@ -3611,15 +2787,7 @@
             </a:r>
             <a:r>
               <a:rPr lang="zh-CN" altLang="en-US" dirty="0" smtClean="0"/>
-              <a:t>，进行充分的文献调研之后，分析推导及修改算法框架，使其适用于本课题的应用情景，及时地搭建仿真环境</a:t>
-            </a:r>
-            <a:r>
-              <a:rPr lang="zh-CN" altLang="en-US" dirty="0" smtClean="0"/>
-              <a:t>，再反过来</a:t>
-            </a:r>
-            <a:r>
-              <a:rPr lang="zh-CN" altLang="en-US" dirty="0" smtClean="0"/>
-              <a:t>优化相应的算法模型，保证作为基础的算法框架的有效性。</a:t>
+              <a:t>，进行充分的文献调研之后，分析推导及修改算法框架，使其适用于本课题的应用情景，及时地搭建仿真环境，再反过来优化相应的算法模型，保证作为基础的算法框架的有效性。</a:t>
             </a:r>
             <a:endParaRPr lang="en-US" altLang="zh-CN" dirty="0" smtClean="0"/>
           </a:p>
@@ -10380,11 +9548,7 @@
             <a:pPr algn="ctr"/>
             <a:r>
               <a:rPr lang="zh-CN" altLang="en-US" dirty="0" smtClean="0"/>
-              <a:t>基于面</a:t>
-            </a:r>
-            <a:r>
-              <a:rPr lang="zh-CN" altLang="en-US" dirty="0" smtClean="0"/>
-              <a:t>约束的地下矿的激光</a:t>
+              <a:t>基于面约束的地下矿的激光</a:t>
             </a:r>
             <a:r>
               <a:rPr lang="en-US" altLang="zh-CN" dirty="0" smtClean="0"/>
@@ -10598,15 +9762,7 @@
                             <a:schemeClr val="bg1"/>
                           </a:solidFill>
                         </a:rPr>
-                        <a:t>指导</a:t>
-                      </a:r>
-                      <a:r>
-                        <a:rPr lang="zh-CN" altLang="en-US" dirty="0" smtClean="0">
-                          <a:solidFill>
-                            <a:schemeClr val="bg1"/>
-                          </a:solidFill>
-                        </a:rPr>
-                        <a:t>老师</a:t>
+                        <a:t>指导老师</a:t>
                       </a:r>
                       <a:endParaRPr lang="zh-CN" altLang="en-US" dirty="0">
                         <a:solidFill>
@@ -10780,27 +9936,7 @@
           <a:p>
             <a:r>
               <a:rPr lang="zh-CN" altLang="en-US" dirty="0" smtClean="0"/>
-              <a:t>内容一：</a:t>
-            </a:r>
-            <a:r>
-              <a:rPr lang="zh-CN" altLang="en-US" dirty="0" smtClean="0"/>
-              <a:t>基于平面</a:t>
-            </a:r>
-            <a:r>
-              <a:rPr lang="zh-CN" altLang="en-US" dirty="0" smtClean="0"/>
-              <a:t>约束</a:t>
-            </a:r>
-            <a:r>
-              <a:rPr lang="zh-CN" altLang="en-US" dirty="0" smtClean="0"/>
-              <a:t>的</a:t>
-            </a:r>
-            <a:r>
-              <a:rPr lang="zh-CN" altLang="en-US" dirty="0" smtClean="0"/>
-              <a:t>激光里程计</a:t>
-            </a:r>
-            <a:r>
-              <a:rPr lang="zh-CN" altLang="en-US" dirty="0" smtClean="0"/>
-              <a:t>算法</a:t>
+              <a:t>内容一：基于平面约束的激光里程计算法</a:t>
             </a:r>
             <a:r>
               <a:rPr lang="zh-CN" altLang="zh-CN" dirty="0" smtClean="0"/>
@@ -10820,19 +9956,19 @@
             <a:pPr lvl="1"/>
             <a:r>
               <a:rPr lang="zh-CN" altLang="en-US" dirty="0" smtClean="0"/>
-              <a:t>将地面几何信息作为约束加入位姿图优化</a:t>
+              <a:t>将地面几何信息作为约束加入位姿图优化，并设计优化函数</a:t>
             </a:r>
             <a:endParaRPr lang="en-US" altLang="zh-CN" dirty="0" smtClean="0"/>
           </a:p>
           <a:p>
             <a:pPr lvl="1"/>
             <a:r>
+              <a:rPr lang="zh-CN" altLang="en-US" dirty="0"/>
+              <a:t>融合</a:t>
+            </a:r>
+            <a:r>
               <a:rPr lang="zh-CN" altLang="en-US" dirty="0" smtClean="0"/>
-              <a:t>将地面几何约束算法设计</a:t>
-            </a:r>
-            <a:r>
-              <a:rPr lang="zh-CN" altLang="en-US" dirty="0" smtClean="0"/>
-              <a:t>激光</a:t>
+              <a:t>地面几何约束算法设计激光</a:t>
             </a:r>
             <a:r>
               <a:rPr lang="zh-CN" altLang="en-US" dirty="0"/>
@@ -10840,43 +9976,39 @@
             </a:r>
             <a:r>
               <a:rPr lang="zh-CN" altLang="en-US" dirty="0" smtClean="0"/>
-              <a:t>算法</a:t>
-            </a:r>
+              <a:t>算法，实现前端位姿准确估计</a:t>
+            </a:r>
+            <a:endParaRPr lang="en-US" altLang="zh-CN" dirty="0" smtClean="0"/>
+          </a:p>
+          <a:p>
             <a:r>
               <a:rPr lang="zh-CN" altLang="en-US" dirty="0" smtClean="0"/>
-              <a:t>，</a:t>
+              <a:t>内容二：</a:t>
+            </a:r>
+            <a:r>
+              <a:rPr lang="zh-CN" altLang="zh-CN" dirty="0" smtClean="0"/>
+              <a:t>基于</a:t>
+            </a:r>
+            <a:r>
+              <a:rPr lang="zh-CN" altLang="en-US" dirty="0" smtClean="0"/>
+              <a:t>墙面轮廓和路口约束的回环检测算法研究</a:t>
+            </a:r>
+            <a:endParaRPr lang="en-US" altLang="zh-CN" dirty="0" smtClean="0"/>
+          </a:p>
+          <a:p>
+            <a:pPr lvl="1"/>
+            <a:r>
+              <a:rPr lang="zh-CN" altLang="en-US" dirty="0" smtClean="0"/>
+              <a:t>墙面几何信息提取</a:t>
+            </a:r>
+            <a:r>
+              <a:rPr lang="zh-CN" altLang="en-US" dirty="0"/>
+              <a:t>算法、路口识别算法</a:t>
             </a:r>
             <a:r>
               <a:rPr lang="zh-CN" altLang="en-US" dirty="0" smtClean="0"/>
               <a:t>实现</a:t>
             </a:r>
-            <a:r>
-              <a:rPr lang="zh-CN" altLang="en-US" dirty="0" smtClean="0"/>
-              <a:t>前端位姿准确估计</a:t>
-            </a:r>
-            <a:endParaRPr lang="en-US" altLang="zh-CN" dirty="0" smtClean="0"/>
-          </a:p>
-          <a:p>
-            <a:r>
-              <a:rPr lang="zh-CN" altLang="en-US" dirty="0" smtClean="0"/>
-              <a:t>内容二：</a:t>
-            </a:r>
-            <a:r>
-              <a:rPr lang="zh-CN" altLang="zh-CN" dirty="0" smtClean="0"/>
-              <a:t>基于</a:t>
-            </a:r>
-            <a:r>
-              <a:rPr lang="zh-CN" altLang="en-US" dirty="0" smtClean="0"/>
-              <a:t>墙面轮廓的回环检测算法研究</a:t>
-            </a:r>
-            <a:endParaRPr lang="en-US" altLang="zh-CN" dirty="0" smtClean="0"/>
-          </a:p>
-          <a:p>
-            <a:pPr lvl="1"/>
-            <a:r>
-              <a:rPr lang="zh-CN" altLang="en-US" dirty="0" smtClean="0"/>
-              <a:t>墙面几何信息提取算法实现</a:t>
-            </a:r>
             <a:endParaRPr lang="en-US" altLang="zh-CN" dirty="0" smtClean="0"/>
           </a:p>
           <a:p>
@@ -10898,11 +10030,7 @@
           <a:p>
             <a:r>
               <a:rPr lang="zh-CN" altLang="en-US" dirty="0" smtClean="0"/>
-              <a:t>内容三</a:t>
-            </a:r>
-            <a:r>
-              <a:rPr lang="zh-CN" altLang="en-US" dirty="0" smtClean="0"/>
-              <a:t>：激光</a:t>
+              <a:t>内容三：激光</a:t>
             </a:r>
             <a:r>
               <a:rPr lang="en-US" altLang="zh-CN" dirty="0" smtClean="0"/>
@@ -14116,7 +13244,15 @@
             <a:pPr algn="ctr"/>
             <a:r>
               <a:rPr lang="zh-CN" altLang="en-US" sz="1200" dirty="0" smtClean="0"/>
-              <a:t>基于墙面轮廓的回环检测算法</a:t>
+              <a:t>基于墙</a:t>
+            </a:r>
+            <a:r>
+              <a:rPr lang="zh-CN" altLang="en-US" sz="1200" dirty="0" smtClean="0"/>
+              <a:t>面和路口的</a:t>
+            </a:r>
+            <a:r>
+              <a:rPr lang="zh-CN" altLang="en-US" sz="1200" dirty="0" smtClean="0"/>
+              <a:t>回环检测算法</a:t>
             </a:r>
             <a:endParaRPr lang="zh-CN" altLang="en-US" sz="1200" dirty="0"/>
           </a:p>
@@ -14912,7 +14048,11 @@
             </a:r>
             <a:r>
               <a:rPr lang="zh-CN" altLang="en-US" sz="1600" dirty="0" smtClean="0"/>
-              <a:t>平面约束设计对应的误差函数</a:t>
+              <a:t>平面约束设计对应的误差</a:t>
+            </a:r>
+            <a:r>
+              <a:rPr lang="zh-CN" altLang="en-US" sz="1600" dirty="0" smtClean="0"/>
+              <a:t>函数，并融合到位姿优化中</a:t>
             </a:r>
             <a:endParaRPr lang="en-US" altLang="zh-CN" sz="1600" dirty="0" smtClean="0"/>
           </a:p>
@@ -14931,7 +14071,19 @@
             </a:r>
             <a:r>
               <a:rPr lang="zh-CN" altLang="en-US" sz="1800" dirty="0"/>
-              <a:t>墙面轮廓的回环检测算法</a:t>
+              <a:t>墙面</a:t>
+            </a:r>
+            <a:r>
+              <a:rPr lang="zh-CN" altLang="en-US" sz="1800" dirty="0" smtClean="0"/>
+              <a:t>轮廓和</a:t>
+            </a:r>
+            <a:r>
+              <a:rPr lang="zh-CN" altLang="en-US" sz="1800" dirty="0" smtClean="0"/>
+              <a:t>路口约束的</a:t>
+            </a:r>
+            <a:r>
+              <a:rPr lang="zh-CN" altLang="en-US" sz="1800" dirty="0"/>
+              <a:t>回环检测算法</a:t>
             </a:r>
             <a:r>
               <a:rPr lang="zh-CN" altLang="en-US" sz="1800" dirty="0" smtClean="0"/>
@@ -14943,35 +14095,35 @@
             <a:pPr lvl="1"/>
             <a:r>
               <a:rPr lang="zh-CN" altLang="en-US" sz="1600" dirty="0" smtClean="0"/>
-              <a:t>针对墙面</a:t>
+              <a:t>墙面提取算法设计和路口</a:t>
+            </a:r>
+            <a:r>
+              <a:rPr lang="zh-CN" altLang="en-US" sz="1600" dirty="0" smtClean="0"/>
+              <a:t>语义信息提取</a:t>
+            </a:r>
+            <a:r>
+              <a:rPr lang="zh-CN" altLang="en-US" sz="1600" dirty="0" smtClean="0"/>
+              <a:t>算法设计</a:t>
+            </a:r>
+            <a:endParaRPr lang="en-US" altLang="zh-CN" sz="1600" dirty="0" smtClean="0"/>
+          </a:p>
+          <a:p>
+            <a:pPr lvl="1"/>
+            <a:r>
+              <a:rPr lang="zh-CN" altLang="en-US" sz="1600" dirty="0" smtClean="0"/>
+              <a:t>针对墙面约束信息的优化函数设计</a:t>
+            </a:r>
+            <a:endParaRPr lang="en-US" altLang="zh-CN" sz="1600" dirty="0"/>
+          </a:p>
+          <a:p>
+            <a:pPr lvl="1"/>
+            <a:r>
+              <a:rPr lang="zh-CN" altLang="en-US" sz="1600" dirty="0" smtClean="0"/>
+              <a:t>针对</a:t>
             </a:r>
             <a:r>
               <a:rPr lang="zh-CN" altLang="en-US" sz="1600" dirty="0"/>
-              <a:t>约束信息的优化函数设计</a:t>
-            </a:r>
-            <a:endParaRPr lang="en-US" altLang="zh-CN" sz="1600" dirty="0"/>
-          </a:p>
-          <a:p>
-            <a:pPr lvl="1"/>
-            <a:r>
-              <a:rPr lang="zh-CN" altLang="en-US" sz="1600" dirty="0"/>
-              <a:t>改进</a:t>
-            </a:r>
-            <a:r>
-              <a:rPr lang="en-US" altLang="zh-CN" sz="1600" dirty="0"/>
-              <a:t>scan context</a:t>
-            </a:r>
-            <a:r>
-              <a:rPr lang="zh-CN" altLang="en-US" sz="1600" dirty="0"/>
-              <a:t>回环检测算法</a:t>
-            </a:r>
-            <a:endParaRPr lang="en-US" altLang="zh-CN" sz="1600" dirty="0"/>
-          </a:p>
-          <a:p>
-            <a:pPr lvl="1"/>
-            <a:r>
-              <a:rPr lang="zh-CN" altLang="en-US" sz="1600" dirty="0"/>
-              <a:t>针对隧道环境的特定回环检测策略</a:t>
+              <a:t>隧道环境的特定回环检测策略</a:t>
             </a:r>
             <a:r>
               <a:rPr lang="zh-CN" altLang="en-US" sz="1600" dirty="0" smtClean="0"/>
@@ -15727,23 +14879,7 @@
                 <a:ea typeface="宋体" panose="02010600030101010101" pitchFamily="2" charset="-122"/>
                 <a:cs typeface="Times New Roman" panose="02020603050405020304" pitchFamily="18" charset="0"/>
               </a:rPr>
-              <a:t>查阅</a:t>
-            </a:r>
-            <a:r>
-              <a:rPr lang="zh-CN" altLang="en-US" sz="1200" dirty="0" smtClean="0">
-                <a:latin typeface="Times New Roman" panose="02020603050405020304" pitchFamily="18" charset="0"/>
-                <a:ea typeface="宋体" panose="02010600030101010101" pitchFamily="2" charset="-122"/>
-                <a:cs typeface="Times New Roman" panose="02020603050405020304" pitchFamily="18" charset="0"/>
-              </a:rPr>
-              <a:t>地下矿建图定位</a:t>
-            </a:r>
-            <a:r>
-              <a:rPr lang="zh-CN" altLang="en-US" sz="1200" dirty="0" smtClean="0">
-                <a:latin typeface="Times New Roman" panose="02020603050405020304" pitchFamily="18" charset="0"/>
-                <a:ea typeface="宋体" panose="02010600030101010101" pitchFamily="2" charset="-122"/>
-                <a:cs typeface="Times New Roman" panose="02020603050405020304" pitchFamily="18" charset="0"/>
-              </a:rPr>
-              <a:t>相关</a:t>
+              <a:t>查阅地下矿建图定位相关</a:t>
             </a:r>
             <a:r>
               <a:rPr lang="zh-CN" altLang="en-US" sz="1200" dirty="0">
@@ -15919,15 +15055,7 @@
                 <a:ea typeface="宋体" panose="02010600030101010101" pitchFamily="2" charset="-122"/>
                 <a:cs typeface="Times New Roman" panose="02020603050405020304" pitchFamily="18" charset="0"/>
               </a:rPr>
-              <a:t>系统</a:t>
-            </a:r>
-            <a:r>
-              <a:rPr lang="zh-CN" altLang="en-US" sz="1200" dirty="0" smtClean="0">
-                <a:latin typeface="Times New Roman" panose="02020603050405020304" pitchFamily="18" charset="0"/>
-                <a:ea typeface="宋体" panose="02010600030101010101" pitchFamily="2" charset="-122"/>
-                <a:cs typeface="Times New Roman" panose="02020603050405020304" pitchFamily="18" charset="0"/>
-              </a:rPr>
-              <a:t>，总结相关算法的优缺点</a:t>
+              <a:t>系统，总结相关算法的优缺点</a:t>
             </a:r>
             <a:endParaRPr lang="en-US" altLang="zh-CN" sz="1200" dirty="0" smtClean="0">
               <a:latin typeface="Times New Roman" panose="02020603050405020304" pitchFamily="18" charset="0"/>
@@ -16562,16 +15690,12 @@
           <a:p>
             <a:pPr lvl="0"/>
             <a:r>
-              <a:rPr lang="zh-CN" altLang="zh-CN" dirty="0" smtClean="0"/>
-              <a:t>完</a:t>
-            </a:r>
-            <a:r>
-              <a:rPr lang="en-US" altLang="zh-CN" dirty="0" smtClean="0"/>
-              <a:t> </a:t>
-            </a:r>
-            <a:r>
               <a:rPr lang="zh-CN" altLang="en-US" dirty="0" smtClean="0"/>
-              <a:t>设计基于平面约束的激光里程计算法，解决特征稀少的地下矿建图的漂移问题</a:t>
+              <a:t>设计</a:t>
+            </a:r>
+            <a:r>
+              <a:rPr lang="zh-CN" altLang="en-US" dirty="0" smtClean="0"/>
+              <a:t>基于平面约束的激光里程计算法，解决特征稀少的地下矿建图的漂移问题</a:t>
             </a:r>
             <a:endParaRPr lang="en-US" altLang="zh-CN" dirty="0" smtClean="0"/>
           </a:p>
@@ -16579,7 +15703,7 @@
             <a:pPr lvl="0"/>
             <a:r>
               <a:rPr lang="zh-CN" altLang="en-US" dirty="0" smtClean="0"/>
-              <a:t>根据隧道特殊环境设计基于墙面轮廓的回环检测算法，提升隧道环境下的回环检测准确率</a:t>
+              <a:t>根据隧道特殊环境设计基于墙面轮廓和路口约束的回环检测算法，提升隧道环境下的回环检测准确率</a:t>
             </a:r>
             <a:endParaRPr lang="en-US" altLang="zh-CN" dirty="0" smtClean="0"/>
           </a:p>
@@ -18160,11 +17284,17 @@
               <a:buChar char="Ø"/>
             </a:pPr>
             <a:r>
-              <a:rPr lang="zh-CN" altLang="en-US" sz="2400" dirty="0" smtClean="0"/>
+              <a:rPr lang="zh-CN" altLang="en-US" sz="2400" dirty="0" smtClean="0">
+                <a:latin typeface="宋体" panose="02010600030101010101" pitchFamily="2" charset="-122"/>
+                <a:ea typeface="宋体" panose="02010600030101010101" pitchFamily="2" charset="-122"/>
+              </a:rPr>
               <a:t>无</a:t>
             </a:r>
             <a:r>
-              <a:rPr lang="en-US" altLang="zh-CN" sz="2400" dirty="0" smtClean="0"/>
+              <a:rPr lang="en-US" altLang="zh-CN" sz="2400" dirty="0" smtClean="0">
+                <a:latin typeface="宋体" panose="02010600030101010101" pitchFamily="2" charset="-122"/>
+                <a:ea typeface="宋体" panose="02010600030101010101" pitchFamily="2" charset="-122"/>
+              </a:rPr>
               <a:t>GPS</a:t>
             </a:r>
           </a:p>
@@ -18177,10 +17307,16 @@
               <a:buChar char="Ø"/>
             </a:pPr>
             <a:r>
-              <a:rPr lang="zh-CN" altLang="en-US" sz="2400" dirty="0" smtClean="0"/>
+              <a:rPr lang="zh-CN" altLang="en-US" sz="2400" dirty="0" smtClean="0">
+                <a:latin typeface="宋体" panose="02010600030101010101" pitchFamily="2" charset="-122"/>
+                <a:ea typeface="宋体" panose="02010600030101010101" pitchFamily="2" charset="-122"/>
+              </a:rPr>
               <a:t>环境阴暗、潮湿，机器人打滑</a:t>
             </a:r>
-            <a:endParaRPr lang="en-US" altLang="zh-CN" sz="2400" dirty="0"/>
+            <a:endParaRPr lang="en-US" altLang="zh-CN" sz="2400" dirty="0">
+              <a:latin typeface="宋体" panose="02010600030101010101" pitchFamily="2" charset="-122"/>
+              <a:ea typeface="宋体" panose="02010600030101010101" pitchFamily="2" charset="-122"/>
+            </a:endParaRPr>
           </a:p>
           <a:p>
             <a:pPr marL="342900" indent="-342900">
@@ -18191,10 +17327,16 @@
               <a:buChar char="Ø"/>
             </a:pPr>
             <a:r>
-              <a:rPr lang="zh-CN" altLang="en-US" sz="2400" dirty="0" smtClean="0"/>
+              <a:rPr lang="zh-CN" altLang="en-US" sz="2400" dirty="0" smtClean="0">
+                <a:latin typeface="宋体" panose="02010600030101010101" pitchFamily="2" charset="-122"/>
+                <a:ea typeface="宋体" panose="02010600030101010101" pitchFamily="2" charset="-122"/>
+              </a:rPr>
               <a:t>路面不平、机器人抖动较大</a:t>
             </a:r>
-            <a:endParaRPr lang="en-US" altLang="zh-CN" sz="2400" dirty="0" smtClean="0"/>
+            <a:endParaRPr lang="en-US" altLang="zh-CN" sz="2400" dirty="0" smtClean="0">
+              <a:latin typeface="宋体" panose="02010600030101010101" pitchFamily="2" charset="-122"/>
+              <a:ea typeface="宋体" panose="02010600030101010101" pitchFamily="2" charset="-122"/>
+            </a:endParaRPr>
           </a:p>
           <a:p>
             <a:pPr marL="342900" indent="-342900">
@@ -18205,10 +17347,16 @@
               <a:buChar char="Ø"/>
             </a:pPr>
             <a:r>
-              <a:rPr lang="zh-CN" altLang="en-US" sz="2400" dirty="0" smtClean="0"/>
+              <a:rPr lang="zh-CN" altLang="en-US" sz="2400" dirty="0" smtClean="0">
+                <a:latin typeface="宋体" panose="02010600030101010101" pitchFamily="2" charset="-122"/>
+                <a:ea typeface="宋体" panose="02010600030101010101" pitchFamily="2" charset="-122"/>
+              </a:rPr>
               <a:t>光照条件差</a:t>
             </a:r>
-            <a:endParaRPr lang="en-US" altLang="zh-CN" sz="2400" dirty="0" smtClean="0"/>
+            <a:endParaRPr lang="en-US" altLang="zh-CN" sz="2400" dirty="0" smtClean="0">
+              <a:latin typeface="宋体" panose="02010600030101010101" pitchFamily="2" charset="-122"/>
+              <a:ea typeface="宋体" panose="02010600030101010101" pitchFamily="2" charset="-122"/>
+            </a:endParaRPr>
           </a:p>
           <a:p>
             <a:pPr marL="342900" indent="-342900">
@@ -18219,10 +17367,16 @@
               <a:buChar char="Ø"/>
             </a:pPr>
             <a:r>
-              <a:rPr lang="zh-CN" altLang="en-US" sz="2400" dirty="0" smtClean="0"/>
+              <a:rPr lang="zh-CN" altLang="en-US" sz="2400" dirty="0" smtClean="0">
+                <a:latin typeface="宋体" panose="02010600030101010101" pitchFamily="2" charset="-122"/>
+                <a:ea typeface="宋体" panose="02010600030101010101" pitchFamily="2" charset="-122"/>
+              </a:rPr>
               <a:t>非结构化表面</a:t>
             </a:r>
-            <a:endParaRPr lang="zh-CN" altLang="en-US" sz="2400" dirty="0"/>
+            <a:endParaRPr lang="zh-CN" altLang="en-US" sz="2400" dirty="0">
+              <a:latin typeface="宋体" panose="02010600030101010101" pitchFamily="2" charset="-122"/>
+              <a:ea typeface="宋体" panose="02010600030101010101" pitchFamily="2" charset="-122"/>
+            </a:endParaRPr>
           </a:p>
         </p:txBody>
       </p:sp>
@@ -18382,47 +17536,7 @@
                 <a:latin typeface="等线" panose="02010600030101010101" pitchFamily="2" charset="-122"/>
                 <a:ea typeface="等线" panose="02010600030101010101" pitchFamily="2" charset="-122"/>
               </a:rPr>
-              <a:t>基于</a:t>
-            </a:r>
-            <a:r>
-              <a:rPr lang="zh-CN" altLang="en-US" b="1" dirty="0">
-                <a:solidFill>
-                  <a:srgbClr val="FFFFFF"/>
-                </a:solidFill>
-                <a:latin typeface="等线" panose="02010600030101010101" pitchFamily="2" charset="-122"/>
-                <a:ea typeface="等线" panose="02010600030101010101" pitchFamily="2" charset="-122"/>
-              </a:rPr>
-              <a:t>深度学习的描述符提取</a:t>
-            </a:r>
-            <a:r>
-              <a:rPr lang="zh-CN" altLang="en-US" b="1" dirty="0" smtClean="0">
-                <a:solidFill>
-                  <a:srgbClr val="FFFFFF"/>
-                </a:solidFill>
-                <a:latin typeface="等线" panose="02010600030101010101" pitchFamily="2" charset="-122"/>
-                <a:ea typeface="等线" panose="02010600030101010101" pitchFamily="2" charset="-122"/>
-              </a:rPr>
-              <a:t>方法的研究呈增长趋势，但是这些描述符的研究与实际</a:t>
-            </a:r>
-            <a:r>
-              <a:rPr lang="en-US" altLang="zh-CN" b="1" dirty="0" smtClean="0">
-                <a:solidFill>
-                  <a:srgbClr val="FFFFFF"/>
-                </a:solidFill>
-                <a:latin typeface="等线" panose="02010600030101010101" pitchFamily="2" charset="-122"/>
-                <a:ea typeface="等线" panose="02010600030101010101" pitchFamily="2" charset="-122"/>
-              </a:rPr>
-              <a:t>SLAM</a:t>
-            </a:r>
-            <a:r>
-              <a:rPr lang="zh-CN" altLang="en-US" b="1" dirty="0" smtClean="0">
-                <a:solidFill>
-                  <a:srgbClr val="FFFFFF"/>
-                </a:solidFill>
-                <a:latin typeface="等线" panose="02010600030101010101" pitchFamily="2" charset="-122"/>
-                <a:ea typeface="等线" panose="02010600030101010101" pitchFamily="2" charset="-122"/>
-              </a:rPr>
-              <a:t>的应用目前是脱离的，大多数情况下是不适用的。</a:t>
+              <a:t>但是当前的定位方式定位精度不够，并且需要增加许多外设，成本高，效率低</a:t>
             </a:r>
             <a:endParaRPr lang="zh-CN" altLang="en-US" b="1" dirty="0">
               <a:solidFill>
@@ -18443,7 +17557,7 @@
         <p:spPr>
           <a:xfrm>
             <a:off x="494025" y="1863969"/>
-            <a:ext cx="6258467" cy="923330"/>
+            <a:ext cx="8192775" cy="3170099"/>
           </a:xfrm>
           <a:prstGeom prst="rect">
             <a:avLst/>
@@ -18457,112 +17571,189 @@
           <a:lstStyle/>
           <a:p>
             <a:r>
-              <a:rPr lang="zh-CN" altLang="en-US" dirty="0" smtClean="0"/>
+              <a:rPr lang="zh-CN" altLang="en-US" sz="2600" dirty="0" smtClean="0">
+                <a:latin typeface="宋体" panose="02010600030101010101" pitchFamily="2" charset="-122"/>
+                <a:ea typeface="宋体" panose="02010600030101010101" pitchFamily="2" charset="-122"/>
+              </a:rPr>
               <a:t>地下矿定位方式</a:t>
             </a:r>
+            <a:endParaRPr lang="en-US" altLang="zh-CN" sz="2600" dirty="0">
+              <a:latin typeface="宋体" panose="02010600030101010101" pitchFamily="2" charset="-122"/>
+              <a:ea typeface="宋体" panose="02010600030101010101" pitchFamily="2" charset="-122"/>
+            </a:endParaRPr>
+          </a:p>
+          <a:p>
             <a:endParaRPr lang="en-US" altLang="zh-CN" dirty="0" smtClean="0"/>
           </a:p>
           <a:p>
-            <a:endParaRPr lang="en-US" altLang="zh-CN" dirty="0" smtClean="0"/>
-          </a:p>
-          <a:p>
-            <a:r>
-              <a:rPr lang="en-US" altLang="zh-CN" dirty="0" smtClean="0"/>
-              <a:t>1.</a:t>
-            </a:r>
-            <a:r>
-              <a:rPr lang="zh-CN" altLang="en-US" dirty="0" smtClean="0"/>
+            <a:pPr marL="285750" indent="-285750">
+              <a:lnSpc>
+                <a:spcPct val="150000"/>
+              </a:lnSpc>
+              <a:buFont typeface="Wingdings" panose="05000000000000000000" pitchFamily="2" charset="2"/>
+              <a:buChar char="Ø"/>
+            </a:pPr>
+            <a:r>
+              <a:rPr lang="zh-CN" altLang="en-US" sz="2000" dirty="0" smtClean="0">
+                <a:latin typeface="宋体" panose="02010600030101010101" pitchFamily="2" charset="-122"/>
+                <a:ea typeface="宋体" panose="02010600030101010101" pitchFamily="2" charset="-122"/>
+              </a:rPr>
               <a:t>基于</a:t>
             </a:r>
             <a:r>
-              <a:rPr lang="en-US" altLang="zh-CN" dirty="0" smtClean="0"/>
+              <a:rPr lang="en-US" altLang="zh-CN" sz="2000" dirty="0" smtClean="0">
+                <a:latin typeface="宋体" panose="02010600030101010101" pitchFamily="2" charset="-122"/>
+                <a:ea typeface="宋体" panose="02010600030101010101" pitchFamily="2" charset="-122"/>
+              </a:rPr>
               <a:t>WIFI/RFID</a:t>
             </a:r>
             <a:r>
-              <a:rPr lang="zh-CN" altLang="en-US" dirty="0" smtClean="0"/>
+              <a:rPr lang="zh-CN" altLang="en-US" sz="2000" dirty="0" smtClean="0">
+                <a:latin typeface="宋体" panose="02010600030101010101" pitchFamily="2" charset="-122"/>
+                <a:ea typeface="宋体" panose="02010600030101010101" pitchFamily="2" charset="-122"/>
+              </a:rPr>
               <a:t>技术的井下人员设备定位、检测</a:t>
             </a:r>
             <a:r>
-              <a:rPr lang="en-US" altLang="zh-CN" dirty="0" smtClean="0"/>
-              <a:t>1</a:t>
-            </a:r>
+              <a:rPr lang="en-US" altLang="zh-CN" sz="1200" dirty="0" smtClean="0">
+                <a:latin typeface="宋体" panose="02010600030101010101" pitchFamily="2" charset="-122"/>
+                <a:ea typeface="宋体" panose="02010600030101010101" pitchFamily="2" charset="-122"/>
+              </a:rPr>
+              <a:t>[1]</a:t>
+            </a:r>
+          </a:p>
+          <a:p>
+            <a:pPr marL="285750" indent="-285750">
+              <a:lnSpc>
+                <a:spcPct val="150000"/>
+              </a:lnSpc>
+              <a:buFont typeface="Wingdings" panose="05000000000000000000" pitchFamily="2" charset="2"/>
+              <a:buChar char="Ø"/>
+            </a:pPr>
+            <a:r>
+              <a:rPr lang="zh-CN" altLang="en-US" sz="2000" dirty="0" smtClean="0">
+                <a:latin typeface="宋体" panose="02010600030101010101" pitchFamily="2" charset="-122"/>
+                <a:ea typeface="宋体" panose="02010600030101010101" pitchFamily="2" charset="-122"/>
+              </a:rPr>
+              <a:t>基于无线电网络系统和多传感器传感器数据融合方式计算车辆姿态</a:t>
+            </a:r>
+            <a:r>
+              <a:rPr lang="en-US" altLang="zh-CN" sz="1200" dirty="0" smtClean="0">
+                <a:latin typeface="宋体" panose="02010600030101010101" pitchFamily="2" charset="-122"/>
+                <a:ea typeface="宋体" panose="02010600030101010101" pitchFamily="2" charset="-122"/>
+              </a:rPr>
+              <a:t>[2]</a:t>
+            </a:r>
+            <a:endParaRPr lang="en-US" altLang="zh-CN" sz="1200" dirty="0">
+              <a:latin typeface="宋体" panose="02010600030101010101" pitchFamily="2" charset="-122"/>
+              <a:ea typeface="宋体" panose="02010600030101010101" pitchFamily="2" charset="-122"/>
+            </a:endParaRPr>
+          </a:p>
+          <a:p>
+            <a:pPr marL="285750" indent="-285750">
+              <a:lnSpc>
+                <a:spcPct val="150000"/>
+              </a:lnSpc>
+              <a:buFont typeface="Wingdings" panose="05000000000000000000" pitchFamily="2" charset="2"/>
+              <a:buChar char="Ø"/>
+            </a:pPr>
+            <a:r>
+              <a:rPr lang="zh-CN" altLang="en-US" sz="2000" dirty="0" smtClean="0">
+                <a:latin typeface="宋体" panose="02010600030101010101" pitchFamily="2" charset="-122"/>
+                <a:ea typeface="宋体" panose="02010600030101010101" pitchFamily="2" charset="-122"/>
+              </a:rPr>
+              <a:t>激光</a:t>
+            </a:r>
+            <a:r>
+              <a:rPr lang="en-US" altLang="zh-CN" sz="2000" dirty="0">
+                <a:latin typeface="宋体" panose="02010600030101010101" pitchFamily="2" charset="-122"/>
+                <a:ea typeface="宋体" panose="02010600030101010101" pitchFamily="2" charset="-122"/>
+              </a:rPr>
+              <a:t>-IMU</a:t>
+            </a:r>
+            <a:r>
+              <a:rPr lang="zh-CN" altLang="en-US" sz="2000" dirty="0">
+                <a:latin typeface="宋体" panose="02010600030101010101" pitchFamily="2" charset="-122"/>
+                <a:ea typeface="宋体" panose="02010600030101010101" pitchFamily="2" charset="-122"/>
+              </a:rPr>
+              <a:t>融合的激光里程计</a:t>
+            </a:r>
+            <a:r>
+              <a:rPr lang="zh-CN" altLang="en-US" sz="2000" dirty="0" smtClean="0">
+                <a:latin typeface="宋体" panose="02010600030101010101" pitchFamily="2" charset="-122"/>
+                <a:ea typeface="宋体" panose="02010600030101010101" pitchFamily="2" charset="-122"/>
+              </a:rPr>
+              <a:t>定位</a:t>
+            </a:r>
+            <a:r>
+              <a:rPr lang="en-US" altLang="zh-CN" sz="1200" dirty="0" smtClean="0">
+                <a:latin typeface="宋体" panose="02010600030101010101" pitchFamily="2" charset="-122"/>
+                <a:ea typeface="宋体" panose="02010600030101010101" pitchFamily="2" charset="-122"/>
+              </a:rPr>
+              <a:t>[3]</a:t>
+            </a:r>
+            <a:endParaRPr lang="en-US" altLang="zh-CN" sz="1200" dirty="0">
+              <a:latin typeface="宋体" panose="02010600030101010101" pitchFamily="2" charset="-122"/>
+              <a:ea typeface="宋体" panose="02010600030101010101" pitchFamily="2" charset="-122"/>
+            </a:endParaRPr>
+          </a:p>
+          <a:p>
+            <a:pPr marL="285750" indent="-285750">
+              <a:lnSpc>
+                <a:spcPct val="150000"/>
+              </a:lnSpc>
+              <a:buFont typeface="Wingdings" panose="05000000000000000000" pitchFamily="2" charset="2"/>
+              <a:buChar char="Ø"/>
+            </a:pPr>
+            <a:r>
+              <a:rPr lang="zh-CN" altLang="en-US" sz="2000" dirty="0" smtClean="0">
+                <a:latin typeface="宋体" panose="02010600030101010101" pitchFamily="2" charset="-122"/>
+                <a:ea typeface="宋体" panose="02010600030101010101" pitchFamily="2" charset="-122"/>
+              </a:rPr>
+              <a:t>给</a:t>
+            </a:r>
+            <a:r>
+              <a:rPr lang="zh-CN" altLang="en-US" sz="2000" dirty="0">
+                <a:latin typeface="宋体" panose="02010600030101010101" pitchFamily="2" charset="-122"/>
+                <a:ea typeface="宋体" panose="02010600030101010101" pitchFamily="2" charset="-122"/>
+              </a:rPr>
+              <a:t>隧道加标签，设计半监督</a:t>
+            </a:r>
+            <a:r>
+              <a:rPr lang="en-US" altLang="zh-CN" sz="2000" dirty="0">
+                <a:latin typeface="宋体" panose="02010600030101010101" pitchFamily="2" charset="-122"/>
+                <a:ea typeface="宋体" panose="02010600030101010101" pitchFamily="2" charset="-122"/>
+              </a:rPr>
+              <a:t>SLAM</a:t>
+            </a:r>
+            <a:r>
+              <a:rPr lang="zh-CN" altLang="en-US" sz="2000" dirty="0">
+                <a:latin typeface="宋体" panose="02010600030101010101" pitchFamily="2" charset="-122"/>
+                <a:ea typeface="宋体" panose="02010600030101010101" pitchFamily="2" charset="-122"/>
+              </a:rPr>
+              <a:t>定位</a:t>
+            </a:r>
+            <a:r>
+              <a:rPr lang="zh-CN" altLang="en-US" sz="2000" dirty="0" smtClean="0">
+                <a:latin typeface="宋体" panose="02010600030101010101" pitchFamily="2" charset="-122"/>
+                <a:ea typeface="宋体" panose="02010600030101010101" pitchFamily="2" charset="-122"/>
+              </a:rPr>
+              <a:t>算法</a:t>
+            </a:r>
+            <a:r>
+              <a:rPr lang="en-US" altLang="zh-CN" sz="1200" dirty="0" smtClean="0">
+                <a:latin typeface="宋体" panose="02010600030101010101" pitchFamily="2" charset="-122"/>
+                <a:ea typeface="宋体" panose="02010600030101010101" pitchFamily="2" charset="-122"/>
+              </a:rPr>
+              <a:t>[4]</a:t>
+            </a:r>
+            <a:endParaRPr lang="en-US" altLang="zh-CN" sz="1200" dirty="0">
+              <a:latin typeface="宋体" panose="02010600030101010101" pitchFamily="2" charset="-122"/>
+              <a:ea typeface="宋体" panose="02010600030101010101" pitchFamily="2" charset="-122"/>
+            </a:endParaRPr>
+          </a:p>
+          <a:p>
             <a:endParaRPr lang="zh-CN" altLang="en-US" dirty="0"/>
-          </a:p>
-        </p:txBody>
-      </p:sp>
-      <p:sp>
-        <p:nvSpPr>
-          <p:cNvPr id="62" name="文本框 61"/>
-          <p:cNvSpPr txBox="1"/>
-          <p:nvPr/>
-        </p:nvSpPr>
-        <p:spPr>
-          <a:xfrm>
-            <a:off x="494025" y="3983843"/>
-            <a:ext cx="7102529" cy="1200329"/>
-          </a:xfrm>
-          <a:prstGeom prst="rect">
-            <a:avLst/>
-          </a:prstGeom>
-          <a:noFill/>
-        </p:spPr>
-        <p:txBody>
-          <a:bodyPr wrap="square" rtlCol="0">
-            <a:spAutoFit/>
-          </a:bodyPr>
-          <a:lstStyle/>
-          <a:p>
-            <a:r>
-              <a:rPr lang="zh-CN" altLang="en-US" dirty="0" smtClean="0"/>
-              <a:t>地下矿</a:t>
-            </a:r>
-            <a:r>
-              <a:rPr lang="en-US" altLang="zh-CN" dirty="0" smtClean="0"/>
-              <a:t>SLAM</a:t>
-            </a:r>
-            <a:r>
-              <a:rPr lang="zh-CN" altLang="en-US" dirty="0" smtClean="0"/>
-              <a:t>建图定位</a:t>
-            </a:r>
-            <a:endParaRPr lang="en-US" altLang="zh-CN" dirty="0" smtClean="0"/>
-          </a:p>
-          <a:p>
-            <a:r>
-              <a:rPr lang="en-US" altLang="zh-CN" dirty="0" smtClean="0"/>
-              <a:t>1.</a:t>
-            </a:r>
-            <a:r>
-              <a:rPr lang="zh-CN" altLang="en-US" dirty="0" smtClean="0"/>
-              <a:t>激光</a:t>
-            </a:r>
-            <a:r>
-              <a:rPr lang="en-US" altLang="zh-CN" dirty="0" smtClean="0"/>
-              <a:t>-IMU</a:t>
-            </a:r>
-            <a:r>
-              <a:rPr lang="zh-CN" altLang="en-US" dirty="0" smtClean="0"/>
-              <a:t>融合的里程计定位</a:t>
-            </a:r>
-            <a:endParaRPr lang="en-US" altLang="zh-CN" dirty="0" smtClean="0"/>
-          </a:p>
-          <a:p>
-            <a:r>
-              <a:rPr lang="en-US" altLang="zh-CN" dirty="0" smtClean="0"/>
-              <a:t>2.</a:t>
-            </a:r>
-            <a:r>
-              <a:rPr lang="zh-CN" altLang="en-US" dirty="0" smtClean="0"/>
-              <a:t>给隧道加标签，设计半监督</a:t>
-            </a:r>
-            <a:r>
-              <a:rPr lang="en-US" altLang="zh-CN" dirty="0" smtClean="0"/>
-              <a:t>SLAM</a:t>
-            </a:r>
-            <a:r>
-              <a:rPr lang="zh-CN" altLang="en-US" dirty="0" smtClean="0"/>
-              <a:t>定位算法</a:t>
-            </a:r>
-            <a:endParaRPr lang="en-US" altLang="zh-CN" dirty="0" smtClean="0"/>
           </a:p>
           <a:p>
             <a:endParaRPr lang="zh-CN" altLang="en-US" dirty="0"/>
@@ -18577,8 +17768,8 @@
         </p:nvSpPr>
         <p:spPr>
           <a:xfrm>
-            <a:off x="492303" y="5353978"/>
-            <a:ext cx="5849815" cy="246221"/>
+            <a:off x="130629" y="4857222"/>
+            <a:ext cx="8916816" cy="1246495"/>
           </a:xfrm>
           <a:prstGeom prst="rect">
             <a:avLst/>
@@ -18590,8 +17781,23 @@
           </a:bodyPr>
           <a:lstStyle/>
           <a:p>
-            <a:r>
-              <a:rPr lang="zh-CN" altLang="en-US" sz="1000" dirty="0">
+            <a:pPr>
+              <a:lnSpc>
+                <a:spcPct val="150000"/>
+              </a:lnSpc>
+            </a:pPr>
+            <a:r>
+              <a:rPr lang="en-US" altLang="zh-CN" sz="1000" dirty="0" smtClean="0">
+                <a:solidFill>
+                  <a:srgbClr val="000000"/>
+                </a:solidFill>
+                <a:latin typeface="Microsoft YaHei" panose="020B0503020204020204" pitchFamily="34" charset="-122"/>
+                <a:ea typeface="Microsoft YaHei" panose="020B0503020204020204" pitchFamily="34" charset="-122"/>
+              </a:rPr>
+              <a:t>[1]</a:t>
+            </a:r>
+            <a:r>
+              <a:rPr lang="zh-CN" altLang="en-US" sz="1000" dirty="0" smtClean="0">
                 <a:solidFill>
                   <a:srgbClr val="000000"/>
                 </a:solidFill>
@@ -18728,33 +17934,182 @@
                 <a:latin typeface="Microsoft YaHei" panose="020B0503020204020204" pitchFamily="34" charset="-122"/>
                 <a:ea typeface="Microsoft YaHei" panose="020B0503020204020204" pitchFamily="34" charset="-122"/>
               </a:rPr>
-              <a:t>, 2011, 19(5).</a:t>
-            </a:r>
-            <a:endParaRPr lang="zh-CN" altLang="en-US" sz="1000" dirty="0"/>
-          </a:p>
-        </p:txBody>
-      </p:sp>
-      <p:sp>
-        <p:nvSpPr>
-          <p:cNvPr id="6" name="矩形 5"/>
-          <p:cNvSpPr/>
-          <p:nvPr/>
-        </p:nvSpPr>
-        <p:spPr>
-          <a:xfrm>
-            <a:off x="492303" y="5626663"/>
-            <a:ext cx="8280034" cy="400110"/>
-          </a:xfrm>
-          <a:prstGeom prst="rect">
-            <a:avLst/>
-          </a:prstGeom>
-        </p:spPr>
-        <p:txBody>
-          <a:bodyPr wrap="square">
-            <a:spAutoFit/>
-          </a:bodyPr>
-          <a:lstStyle/>
-          <a:p>
+              <a:t>, 2011, 19(5</a:t>
+            </a:r>
+            <a:r>
+              <a:rPr lang="en-US" altLang="zh-CN" sz="1000" dirty="0" smtClean="0">
+                <a:solidFill>
+                  <a:srgbClr val="000000"/>
+                </a:solidFill>
+                <a:latin typeface="Microsoft YaHei" panose="020B0503020204020204" pitchFamily="34" charset="-122"/>
+                <a:ea typeface="Microsoft YaHei" panose="020B0503020204020204" pitchFamily="34" charset="-122"/>
+              </a:rPr>
+              <a:t>).</a:t>
+            </a:r>
+          </a:p>
+          <a:p>
+            <a:pPr>
+              <a:lnSpc>
+                <a:spcPct val="150000"/>
+              </a:lnSpc>
+            </a:pPr>
+            <a:r>
+              <a:rPr lang="en-US" altLang="zh-CN" sz="1000" dirty="0" smtClean="0">
+                <a:solidFill>
+                  <a:srgbClr val="000000"/>
+                </a:solidFill>
+                <a:latin typeface="微软雅黑" panose="020B0503020204020204" pitchFamily="34" charset="-122"/>
+                <a:ea typeface="微软雅黑" panose="020B0503020204020204" pitchFamily="34" charset="-122"/>
+              </a:rPr>
+              <a:t>[2]</a:t>
+            </a:r>
+            <a:r>
+              <a:rPr lang="zh-CN" altLang="en-US" sz="1000" dirty="0" smtClean="0">
+                <a:solidFill>
+                  <a:srgbClr val="000000"/>
+                </a:solidFill>
+                <a:latin typeface="微软雅黑" panose="020B0503020204020204" pitchFamily="34" charset="-122"/>
+                <a:ea typeface="微软雅黑" panose="020B0503020204020204" pitchFamily="34" charset="-122"/>
+              </a:rPr>
+              <a:t>战凯</a:t>
+            </a:r>
+            <a:r>
+              <a:rPr lang="en-US" altLang="zh-CN" sz="1000" dirty="0">
+                <a:solidFill>
+                  <a:srgbClr val="000000"/>
+                </a:solidFill>
+                <a:latin typeface="微软雅黑" panose="020B0503020204020204" pitchFamily="34" charset="-122"/>
+                <a:ea typeface="微软雅黑" panose="020B0503020204020204" pitchFamily="34" charset="-122"/>
+              </a:rPr>
+              <a:t>, </a:t>
+            </a:r>
+            <a:r>
+              <a:rPr lang="zh-CN" altLang="en-US" sz="1000" dirty="0">
+                <a:solidFill>
+                  <a:srgbClr val="000000"/>
+                </a:solidFill>
+                <a:latin typeface="微软雅黑" panose="020B0503020204020204" pitchFamily="34" charset="-122"/>
+                <a:ea typeface="微软雅黑" panose="020B0503020204020204" pitchFamily="34" charset="-122"/>
+              </a:rPr>
+              <a:t>顾洪枢</a:t>
+            </a:r>
+            <a:r>
+              <a:rPr lang="en-US" altLang="zh-CN" sz="1000" dirty="0">
+                <a:solidFill>
+                  <a:srgbClr val="000000"/>
+                </a:solidFill>
+                <a:latin typeface="微软雅黑" panose="020B0503020204020204" pitchFamily="34" charset="-122"/>
+                <a:ea typeface="微软雅黑" panose="020B0503020204020204" pitchFamily="34" charset="-122"/>
+              </a:rPr>
+              <a:t>, </a:t>
+            </a:r>
+            <a:r>
+              <a:rPr lang="zh-CN" altLang="en-US" sz="1000" dirty="0">
+                <a:solidFill>
+                  <a:srgbClr val="000000"/>
+                </a:solidFill>
+                <a:latin typeface="微软雅黑" panose="020B0503020204020204" pitchFamily="34" charset="-122"/>
+                <a:ea typeface="微软雅黑" panose="020B0503020204020204" pitchFamily="34" charset="-122"/>
+              </a:rPr>
+              <a:t>周俊武</a:t>
+            </a:r>
+            <a:r>
+              <a:rPr lang="en-US" altLang="zh-CN" sz="1000" dirty="0">
+                <a:solidFill>
+                  <a:srgbClr val="000000"/>
+                </a:solidFill>
+                <a:latin typeface="微软雅黑" panose="020B0503020204020204" pitchFamily="34" charset="-122"/>
+                <a:ea typeface="微软雅黑" panose="020B0503020204020204" pitchFamily="34" charset="-122"/>
+              </a:rPr>
+              <a:t>,</a:t>
+            </a:r>
+            <a:r>
+              <a:rPr lang="zh-CN" altLang="en-US" sz="1000" dirty="0">
+                <a:solidFill>
+                  <a:srgbClr val="000000"/>
+                </a:solidFill>
+                <a:latin typeface="微软雅黑" panose="020B0503020204020204" pitchFamily="34" charset="-122"/>
+                <a:ea typeface="微软雅黑" panose="020B0503020204020204" pitchFamily="34" charset="-122"/>
+              </a:rPr>
+              <a:t>等</a:t>
+            </a:r>
+            <a:r>
+              <a:rPr lang="en-US" altLang="zh-CN" sz="1000" dirty="0">
+                <a:solidFill>
+                  <a:srgbClr val="000000"/>
+                </a:solidFill>
+                <a:latin typeface="微软雅黑" panose="020B0503020204020204" pitchFamily="34" charset="-122"/>
+                <a:ea typeface="微软雅黑" panose="020B0503020204020204" pitchFamily="34" charset="-122"/>
+              </a:rPr>
+              <a:t>. </a:t>
+            </a:r>
+            <a:r>
+              <a:rPr lang="zh-CN" altLang="en-US" sz="1000" dirty="0">
+                <a:solidFill>
+                  <a:srgbClr val="000000"/>
+                </a:solidFill>
+                <a:latin typeface="微软雅黑" panose="020B0503020204020204" pitchFamily="34" charset="-122"/>
+                <a:ea typeface="微软雅黑" panose="020B0503020204020204" pitchFamily="34" charset="-122"/>
+              </a:rPr>
+              <a:t>地下遥控铲运机遥控技术和精确定位技术研究</a:t>
+            </a:r>
+            <a:r>
+              <a:rPr lang="en-US" altLang="zh-CN" sz="1000" dirty="0">
+                <a:solidFill>
+                  <a:srgbClr val="000000"/>
+                </a:solidFill>
+                <a:latin typeface="微软雅黑" panose="020B0503020204020204" pitchFamily="34" charset="-122"/>
+                <a:ea typeface="微软雅黑" panose="020B0503020204020204" pitchFamily="34" charset="-122"/>
+              </a:rPr>
+              <a:t>[J]. </a:t>
+            </a:r>
+            <a:r>
+              <a:rPr lang="zh-CN" altLang="en-US" sz="1000" dirty="0">
+                <a:solidFill>
+                  <a:srgbClr val="000000"/>
+                </a:solidFill>
+                <a:latin typeface="微软雅黑" panose="020B0503020204020204" pitchFamily="34" charset="-122"/>
+                <a:ea typeface="微软雅黑" panose="020B0503020204020204" pitchFamily="34" charset="-122"/>
+              </a:rPr>
+              <a:t>有色金属</a:t>
+            </a:r>
+            <a:r>
+              <a:rPr lang="en-US" altLang="zh-CN" sz="1000" dirty="0">
+                <a:solidFill>
+                  <a:srgbClr val="000000"/>
+                </a:solidFill>
+                <a:latin typeface="微软雅黑" panose="020B0503020204020204" pitchFamily="34" charset="-122"/>
+                <a:ea typeface="微软雅黑" panose="020B0503020204020204" pitchFamily="34" charset="-122"/>
+              </a:rPr>
+              <a:t>, 2009(01):109-114</a:t>
+            </a:r>
+            <a:r>
+              <a:rPr lang="en-US" altLang="zh-CN" sz="1000" dirty="0" smtClean="0">
+                <a:solidFill>
+                  <a:srgbClr val="000000"/>
+                </a:solidFill>
+                <a:latin typeface="微软雅黑" panose="020B0503020204020204" pitchFamily="34" charset="-122"/>
+                <a:ea typeface="微软雅黑" panose="020B0503020204020204" pitchFamily="34" charset="-122"/>
+              </a:rPr>
+              <a:t>.</a:t>
+            </a:r>
+          </a:p>
+          <a:p>
+            <a:pPr>
+              <a:lnSpc>
+                <a:spcPct val="150000"/>
+              </a:lnSpc>
+            </a:pPr>
+            <a:r>
+              <a:rPr lang="en-US" altLang="zh-CN" sz="1000" dirty="0" smtClean="0">
+                <a:solidFill>
+                  <a:srgbClr val="000000"/>
+                </a:solidFill>
+                <a:latin typeface="Microsoft YaHei" panose="020B0503020204020204" pitchFamily="34" charset="-122"/>
+                <a:ea typeface="Microsoft YaHei" panose="020B0503020204020204" pitchFamily="34" charset="-122"/>
+              </a:rPr>
+              <a:t>[3]Chow </a:t>
+            </a:r>
             <a:r>
               <a:rPr lang="en-US" altLang="zh-CN" sz="1000" dirty="0">
                 <a:solidFill>
@@ -18763,7 +18118,7 @@
                 <a:latin typeface="Microsoft YaHei" panose="020B0503020204020204" pitchFamily="34" charset="-122"/>
                 <a:ea typeface="Microsoft YaHei" panose="020B0503020204020204" pitchFamily="34" charset="-122"/>
               </a:rPr>
-              <a:t>Chow J F , </a:t>
+              <a:t>J F , </a:t>
             </a:r>
             <a:r>
               <a:rPr lang="en-US" altLang="zh-CN" sz="1000" dirty="0" err="1">
@@ -18845,7 +18200,66 @@
               </a:rPr>
               <a:t> Enabled Aerial Robot Navigation[J]. 2019.</a:t>
             </a:r>
-            <a:endParaRPr lang="zh-CN" altLang="en-US" sz="1000" dirty="0"/>
+          </a:p>
+          <a:p>
+            <a:pPr>
+              <a:lnSpc>
+                <a:spcPct val="150000"/>
+              </a:lnSpc>
+            </a:pPr>
+            <a:r>
+              <a:rPr lang="en-US" altLang="zh-CN" sz="1000" dirty="0" smtClean="0">
+                <a:latin typeface="微软雅黑" panose="020B0503020204020204" pitchFamily="34" charset="-122"/>
+                <a:ea typeface="微软雅黑" panose="020B0503020204020204" pitchFamily="34" charset="-122"/>
+              </a:rPr>
+              <a:t>[4]Adam </a:t>
+            </a:r>
+            <a:r>
+              <a:rPr lang="en-US" altLang="zh-CN" sz="1000" dirty="0" err="1" smtClean="0">
+                <a:latin typeface="微软雅黑" panose="020B0503020204020204" pitchFamily="34" charset="-122"/>
+                <a:ea typeface="微软雅黑" panose="020B0503020204020204" pitchFamily="34" charset="-122"/>
+              </a:rPr>
+              <a:t>Jacobson,Fan</a:t>
+            </a:r>
+            <a:r>
+              <a:rPr lang="en-US" altLang="zh-CN" sz="1000" dirty="0" smtClean="0">
+                <a:latin typeface="微软雅黑" panose="020B0503020204020204" pitchFamily="34" charset="-122"/>
+                <a:ea typeface="微软雅黑" panose="020B0503020204020204" pitchFamily="34" charset="-122"/>
+              </a:rPr>
+              <a:t> </a:t>
+            </a:r>
+            <a:r>
+              <a:rPr lang="en-US" altLang="zh-CN" sz="1000" dirty="0" err="1" smtClean="0">
+                <a:latin typeface="微软雅黑" panose="020B0503020204020204" pitchFamily="34" charset="-122"/>
+                <a:ea typeface="微软雅黑" panose="020B0503020204020204" pitchFamily="34" charset="-122"/>
+              </a:rPr>
+              <a:t>Z,et</a:t>
+            </a:r>
+            <a:r>
+              <a:rPr lang="en-US" altLang="zh-CN" sz="1000" dirty="0" smtClean="0">
+                <a:latin typeface="微软雅黑" panose="020B0503020204020204" pitchFamily="34" charset="-122"/>
+                <a:ea typeface="微软雅黑" panose="020B0503020204020204" pitchFamily="34" charset="-122"/>
+              </a:rPr>
+              <a:t> al. Semi-Supervised </a:t>
+            </a:r>
+            <a:r>
+              <a:rPr lang="en-US" altLang="zh-CN" sz="1000" dirty="0">
+                <a:latin typeface="微软雅黑" panose="020B0503020204020204" pitchFamily="34" charset="-122"/>
+                <a:ea typeface="微软雅黑" panose="020B0503020204020204" pitchFamily="34" charset="-122"/>
+              </a:rPr>
+              <a:t>SLAM----Leveraging Low-Cost Sensors on Underground Autonomous Vehicles for Position </a:t>
+            </a:r>
+            <a:r>
+              <a:rPr lang="en-US" altLang="zh-CN" sz="1000" dirty="0" smtClean="0">
+                <a:latin typeface="微软雅黑" panose="020B0503020204020204" pitchFamily="34" charset="-122"/>
+                <a:ea typeface="微软雅黑" panose="020B0503020204020204" pitchFamily="34" charset="-122"/>
+              </a:rPr>
+              <a:t>Tracking[J].2018.</a:t>
+            </a:r>
+            <a:endParaRPr lang="zh-CN" altLang="en-US" sz="1000" dirty="0">
+              <a:latin typeface="微软雅黑" panose="020B0503020204020204" pitchFamily="34" charset="-122"/>
+              <a:ea typeface="微软雅黑" panose="020B0503020204020204" pitchFamily="34" charset="-122"/>
+            </a:endParaRPr>
           </a:p>
         </p:txBody>
       </p:sp>
@@ -19506,11 +18920,7 @@
           <a:p>
             <a:r>
               <a:rPr lang="zh-CN" altLang="en-US" dirty="0" smtClean="0"/>
-              <a:t>设计基于平面约束的</a:t>
-            </a:r>
-            <a:r>
-              <a:rPr lang="zh-CN" altLang="en-US" dirty="0" smtClean="0"/>
-              <a:t>激光</a:t>
+              <a:t>设计基于平面约束的激光</a:t>
             </a:r>
             <a:r>
               <a:rPr lang="zh-CN" altLang="en-US" dirty="0"/>
@@ -19518,11 +18928,7 @@
             </a:r>
             <a:r>
               <a:rPr lang="zh-CN" altLang="en-US" dirty="0" smtClean="0"/>
-              <a:t>算法</a:t>
-            </a:r>
-            <a:r>
-              <a:rPr lang="zh-CN" altLang="en-US" dirty="0" smtClean="0"/>
-              <a:t>，解决特征稀少的地下矿建图的漂移问题</a:t>
+              <a:t>算法，解决特征稀少的地下矿建图的漂移问题</a:t>
             </a:r>
             <a:endParaRPr lang="en-US" altLang="zh-CN" dirty="0" smtClean="0"/>
           </a:p>
@@ -19534,7 +18940,7 @@
             </a:pPr>
             <a:r>
               <a:rPr lang="zh-CN" altLang="en-US" sz="2000" dirty="0" smtClean="0"/>
-              <a:t>设计基于墙面轮廓约束的回环检测算法，提高地下矿回环检测准确率</a:t>
+              <a:t>设计基于墙面轮廓约束和路口约束的回环检测算法，提高地下矿回环检测准确率</a:t>
             </a:r>
             <a:endParaRPr lang="en-US" altLang="zh-CN" sz="2000" dirty="0" smtClean="0"/>
           </a:p>
@@ -19574,6 +18980,47 @@
           </a:p>
         </p:txBody>
       </p:sp>
+      <p:pic>
+        <p:nvPicPr>
+          <p:cNvPr id="1026" name="Picture 2" descr="地下矿库存图片. 图片包括有地下矿- 99449611"/>
+          <p:cNvPicPr>
+            <a:picLocks noChangeAspect="1" noChangeArrowheads="1"/>
+          </p:cNvPicPr>
+          <p:nvPr/>
+        </p:nvPicPr>
+        <p:blipFill>
+          <a:blip r:embed="rId3">
+            <a:extLst>
+              <a:ext uri="{28A0092B-C50C-407E-A947-70E740481C1C}">
+                <a14:useLocalDpi xmlns:a14="http://schemas.microsoft.com/office/drawing/2010/main" val="0"/>
+              </a:ext>
+            </a:extLst>
+          </a:blip>
+          <a:srcRect/>
+          <a:stretch>
+            <a:fillRect/>
+          </a:stretch>
+        </p:blipFill>
+        <p:spPr bwMode="auto">
+          <a:xfrm>
+            <a:off x="2189173" y="3281781"/>
+            <a:ext cx="4981865" cy="3325395"/>
+          </a:xfrm>
+          <a:prstGeom prst="rect">
+            <a:avLst/>
+          </a:prstGeom>
+          <a:noFill/>
+          <a:extLst>
+            <a:ext uri="{909E8E84-426E-40DD-AFC4-6F175D3DCCD1}">
+              <a14:hiddenFill xmlns:a14="http://schemas.microsoft.com/office/drawing/2010/main">
+                <a:solidFill>
+                  <a:srgbClr val="FFFFFF"/>
+                </a:solidFill>
+              </a14:hiddenFill>
+            </a:ext>
+          </a:extLst>
+        </p:spPr>
+      </p:pic>
     </p:spTree>
     <p:extLst>
       <p:ext uri="{BB962C8B-B14F-4D97-AF65-F5344CB8AC3E}">

--- a/毕业论文/开题/gxf-开题报告1.pptx
+++ b/毕业论文/开题/gxf-开题报告1.pptx
@@ -1641,7 +1641,7 @@
                 <a:ea typeface="+mn-ea"/>
                 <a:cs typeface="+mn-cs"/>
               </a:rPr>
-              <a:t>但</a:t>
+              <a:t>但现在</a:t>
             </a:r>
             <a:r>
               <a:rPr lang="zh-CN" altLang="zh-CN" sz="1200" kern="1200" dirty="0" smtClean="0">
@@ -1653,7 +1653,19 @@
                 <a:ea typeface="+mn-ea"/>
                 <a:cs typeface="+mn-cs"/>
               </a:rPr>
-              <a:t>对采矿效率的要求却越来越高，而传统采矿存在劳动者密集、资源消耗多、生产效率低、安全性差等特点。</a:t>
+              <a:t>对</a:t>
+            </a:r>
+            <a:r>
+              <a:rPr lang="zh-CN" altLang="zh-CN" sz="1200" kern="1200" dirty="0" smtClean="0">
+                <a:solidFill>
+                  <a:schemeClr val="tx1"/>
+                </a:solidFill>
+                <a:effectLst/>
+                <a:latin typeface="+mn-lt"/>
+                <a:ea typeface="+mn-ea"/>
+                <a:cs typeface="+mn-cs"/>
+              </a:rPr>
+              <a:t>采矿效率的要求却越来越高，而传统采矿存在劳动者密集、资源消耗多、生产效率低、安全性差等特点。</a:t>
             </a:r>
             <a:r>
               <a:rPr lang="zh-CN" altLang="en-US" sz="1200" kern="1200" dirty="0" smtClean="0">
@@ -1761,7 +1773,11 @@
             </a:r>
             <a:r>
               <a:rPr lang="zh-CN" altLang="en-US" dirty="0" smtClean="0"/>
-              <a:t>，所以需要</a:t>
+              <a:t>，</a:t>
+            </a:r>
+            <a:r>
+              <a:rPr lang="zh-CN" altLang="en-US" dirty="0" smtClean="0"/>
+              <a:t>所以一般需要利用</a:t>
             </a:r>
             <a:r>
               <a:rPr lang="en-US" altLang="zh-CN" dirty="0" smtClean="0"/>
@@ -2441,15 +2457,7 @@
             </a:pPr>
             <a:r>
               <a:rPr lang="zh-CN" altLang="en-US" dirty="0" smtClean="0"/>
-              <a:t>二是</a:t>
-            </a:r>
-            <a:r>
-              <a:rPr lang="zh-CN" altLang="en-US" dirty="0" smtClean="0"/>
-              <a:t>基于墙面轮廓约束和路口约束的回环检测算法，来提升回环检测的准确率。因为地下矿是一个类似隧道的场景，所以可以利用两边墙面来来进行回环检测的判定。而路口其实是最明显的特征。我们可以利用路口信息来进行更强的回环检测，提升准确率</a:t>
-            </a:r>
-            <a:r>
-              <a:rPr lang="zh-CN" altLang="en-US" dirty="0" smtClean="0"/>
-              <a:t>。</a:t>
+              <a:t>二是基于墙面轮廓约束和路口约束的回环检测算法，来提升回环检测的准确率。因为地下矿是一个类似隧道的场景，所以可以利用两边墙面来来进行回环检测的判定。而路口其实是最明显的特征。我们可以利用路口信息来进行更强的回环检测，提升准确率。</a:t>
             </a:r>
             <a:endParaRPr lang="en-US" altLang="zh-CN" dirty="0" smtClean="0"/>
           </a:p>
@@ -9808,6 +9816,11 @@
                         </a:rPr>
                         <a:t>王亚飞教授</a:t>
                       </a:r>
+                      <a:endParaRPr lang="zh-CN" altLang="en-US" dirty="0" smtClean="0">
+                        <a:solidFill>
+                          <a:schemeClr val="bg1"/>
+                        </a:solidFill>
+                      </a:endParaRPr>
                     </a:p>
                   </a:txBody>
                   <a:tcPr>
@@ -13244,15 +13257,7 @@
             <a:pPr algn="ctr"/>
             <a:r>
               <a:rPr lang="zh-CN" altLang="en-US" sz="1200" dirty="0" smtClean="0"/>
-              <a:t>基于墙</a:t>
-            </a:r>
-            <a:r>
-              <a:rPr lang="zh-CN" altLang="en-US" sz="1200" dirty="0" smtClean="0"/>
-              <a:t>面和路口的</a:t>
-            </a:r>
-            <a:r>
-              <a:rPr lang="zh-CN" altLang="en-US" sz="1200" dirty="0" smtClean="0"/>
-              <a:t>回环检测算法</a:t>
+              <a:t>基于墙面和路口的回环检测算法</a:t>
             </a:r>
             <a:endParaRPr lang="zh-CN" altLang="en-US" sz="1200" dirty="0"/>
           </a:p>
@@ -14024,11 +14029,11 @@
             </a:r>
             <a:r>
               <a:rPr lang="zh-CN" altLang="en-US" sz="1800" dirty="0"/>
-              <a:t>平面约束的激光里程计算法，解决特征稀少的地下矿建图的漂移</a:t>
+              <a:t>平面约束的激光里程计算</a:t>
             </a:r>
             <a:r>
               <a:rPr lang="zh-CN" altLang="en-US" sz="1800" dirty="0" smtClean="0"/>
-              <a:t>问题</a:t>
+              <a:t>法</a:t>
             </a:r>
             <a:endParaRPr lang="en-US" altLang="zh-CN" sz="1800" dirty="0" smtClean="0"/>
           </a:p>
@@ -14048,11 +14053,7 @@
             </a:r>
             <a:r>
               <a:rPr lang="zh-CN" altLang="en-US" sz="1600" dirty="0" smtClean="0"/>
-              <a:t>平面约束设计对应的误差</a:t>
-            </a:r>
-            <a:r>
-              <a:rPr lang="zh-CN" altLang="en-US" sz="1600" dirty="0" smtClean="0"/>
-              <a:t>函数，并融合到位姿优化中</a:t>
+              <a:t>平面约束设计对应的误差函数，并融合到位姿优化中</a:t>
             </a:r>
             <a:endParaRPr lang="en-US" altLang="zh-CN" sz="1600" dirty="0" smtClean="0"/>
           </a:p>
@@ -14075,11 +14076,7 @@
             </a:r>
             <a:r>
               <a:rPr lang="zh-CN" altLang="en-US" sz="1800" dirty="0" smtClean="0"/>
-              <a:t>轮廓和</a:t>
-            </a:r>
-            <a:r>
-              <a:rPr lang="zh-CN" altLang="en-US" sz="1800" dirty="0" smtClean="0"/>
-              <a:t>路口约束的</a:t>
+              <a:t>轮廓和路口约束的</a:t>
             </a:r>
             <a:r>
               <a:rPr lang="zh-CN" altLang="en-US" sz="1800" dirty="0"/>
@@ -14095,43 +14092,26 @@
             <a:pPr lvl="1"/>
             <a:r>
               <a:rPr lang="zh-CN" altLang="en-US" sz="1600" dirty="0" smtClean="0"/>
-              <a:t>墙面提取算法设计和路口</a:t>
+              <a:t>墙面提取算法设计和路口语义信息提取算法设计</a:t>
+            </a:r>
+            <a:endParaRPr lang="en-US" altLang="zh-CN" sz="1600" dirty="0" smtClean="0"/>
+          </a:p>
+          <a:p>
+            <a:pPr lvl="1"/>
+            <a:r>
+              <a:rPr lang="zh-CN" altLang="en-US" sz="1600" dirty="0"/>
+              <a:t>针对隧道环境的墙</a:t>
             </a:r>
             <a:r>
               <a:rPr lang="zh-CN" altLang="en-US" sz="1600" dirty="0" smtClean="0"/>
-              <a:t>语义信息提取</a:t>
-            </a:r>
-            <a:r>
-              <a:rPr lang="zh-CN" altLang="en-US" sz="1600" dirty="0" smtClean="0"/>
-              <a:t>算法设计</a:t>
+              <a:t>面和路口约束信息的回环检测算法设计</a:t>
             </a:r>
             <a:endParaRPr lang="en-US" altLang="zh-CN" sz="1600" dirty="0" smtClean="0"/>
           </a:p>
           <a:p>
-            <a:pPr lvl="1"/>
-            <a:r>
-              <a:rPr lang="zh-CN" altLang="en-US" sz="1600" dirty="0" smtClean="0"/>
-              <a:t>针对墙面约束信息的优化函数设计</a:t>
-            </a:r>
-            <a:endParaRPr lang="en-US" altLang="zh-CN" sz="1600" dirty="0"/>
-          </a:p>
-          <a:p>
-            <a:pPr lvl="1"/>
-            <a:r>
-              <a:rPr lang="zh-CN" altLang="en-US" sz="1600" dirty="0" smtClean="0"/>
-              <a:t>针对</a:t>
-            </a:r>
-            <a:r>
-              <a:rPr lang="zh-CN" altLang="en-US" sz="1600" dirty="0"/>
-              <a:t>隧道环境的特定回环检测策略</a:t>
-            </a:r>
-            <a:r>
-              <a:rPr lang="zh-CN" altLang="en-US" sz="1600" dirty="0" smtClean="0"/>
-              <a:t>设计</a:t>
-            </a:r>
-            <a:endParaRPr lang="en-US" altLang="zh-CN" sz="1800" dirty="0" smtClean="0"/>
-          </a:p>
-          <a:p>
+            <a:pPr marL="0" indent="0">
+              <a:buNone/>
+            </a:pPr>
             <a:endParaRPr lang="en-US" altLang="zh-CN" sz="1800" dirty="0" smtClean="0"/>
           </a:p>
           <a:p>
@@ -14155,109 +14135,6 @@
           </a:p>
           <a:p>
             <a:endParaRPr lang="en-US" altLang="zh-CN" sz="1800" dirty="0" smtClean="0"/>
-          </a:p>
-        </p:txBody>
-      </p:sp>
-      <p:sp>
-        <p:nvSpPr>
-          <p:cNvPr id="3" name="Rectangle 1"/>
-          <p:cNvSpPr>
-            <a:spLocks noChangeArrowheads="1"/>
-          </p:cNvSpPr>
-          <p:nvPr/>
-        </p:nvSpPr>
-        <p:spPr bwMode="auto">
-          <a:xfrm>
-            <a:off x="0" y="0"/>
-            <a:ext cx="9144000" cy="457200"/>
-          </a:xfrm>
-          <a:prstGeom prst="rect">
-            <a:avLst/>
-          </a:prstGeom>
-          <a:noFill/>
-          <a:ln>
-            <a:noFill/>
-          </a:ln>
-          <a:effectLst/>
-          <a:extLst>
-            <a:ext uri="{909E8E84-426E-40DD-AFC4-6F175D3DCCD1}">
-              <a14:hiddenFill xmlns:a14="http://schemas.microsoft.com/office/drawing/2010/main">
-                <a:solidFill>
-                  <a:schemeClr val="accent1"/>
-                </a:solidFill>
-              </a14:hiddenFill>
-            </a:ext>
-            <a:ext uri="{91240B29-F687-4F45-9708-019B960494DF}">
-              <a14:hiddenLine xmlns:a14="http://schemas.microsoft.com/office/drawing/2010/main" w="9525">
-                <a:solidFill>
-                  <a:schemeClr val="tx1"/>
-                </a:solidFill>
-                <a:miter lim="800000"/>
-                <a:headEnd/>
-                <a:tailEnd/>
-              </a14:hiddenLine>
-            </a:ext>
-            <a:ext uri="{AF507438-7753-43E0-B8FC-AC1667EBCBE1}">
-              <a14:hiddenEffects xmlns:a14="http://schemas.microsoft.com/office/drawing/2010/main">
-                <a:effectLst>
-                  <a:outerShdw dist="35921" dir="2700000" algn="ctr" rotWithShape="0">
-                    <a:schemeClr val="bg2"/>
-                  </a:outerShdw>
-                </a:effectLst>
-              </a14:hiddenEffects>
-            </a:ext>
-          </a:extLst>
-        </p:spPr>
-        <p:txBody>
-          <a:bodyPr vert="horz" wrap="none" lIns="91440" tIns="45720" rIns="91440" bIns="45720" numCol="1" anchor="ctr" anchorCtr="0" compatLnSpc="1">
-            <a:prstTxWarp prst="textNoShape">
-              <a:avLst/>
-            </a:prstTxWarp>
-            <a:spAutoFit/>
-          </a:bodyPr>
-          <a:lstStyle/>
-          <a:p>
-            <a:pPr marL="0" marR="0" lvl="0" indent="0" algn="l" defTabSz="914400" rtl="0" eaLnBrk="0" fontAlgn="base" latinLnBrk="0" hangingPunct="0">
-              <a:lnSpc>
-                <a:spcPct val="100000"/>
-              </a:lnSpc>
-              <a:spcBef>
-                <a:spcPct val="0"/>
-              </a:spcBef>
-              <a:spcAft>
-                <a:spcPct val="0"/>
-              </a:spcAft>
-              <a:buClrTx/>
-              <a:buSzTx/>
-              <a:buFontTx/>
-              <a:buChar char="•"/>
-              <a:tabLst/>
-            </a:pPr>
-            <a:r>
-              <a:rPr kumimoji="0" lang="zh-CN" altLang="zh-CN" sz="1200" b="0" i="0" u="none" strike="noStrike" cap="none" normalizeH="0" baseline="0" dirty="0" smtClean="0">
-                <a:ln>
-                  <a:noFill/>
-                </a:ln>
-                <a:solidFill>
-                  <a:schemeClr val="tx1"/>
-                </a:solidFill>
-                <a:effectLst/>
-                <a:latin typeface="Times New Roman" panose="02020603050405020304" pitchFamily="18" charset="0"/>
-                <a:ea typeface="仿宋_GB2312"/>
-                <a:cs typeface="Times New Roman" panose="02020603050405020304" pitchFamily="18" charset="0"/>
-              </a:rPr>
-              <a:t>设计适合于自适应尺度描述符的前端匹配算法</a:t>
-            </a:r>
-            <a:endParaRPr kumimoji="0" lang="zh-CN" altLang="zh-CN" sz="1800" b="0" i="0" u="none" strike="noStrike" cap="none" normalizeH="0" baseline="0" dirty="0" smtClean="0">
-              <a:ln>
-                <a:noFill/>
-              </a:ln>
-              <a:solidFill>
-                <a:schemeClr val="tx1"/>
-              </a:solidFill>
-              <a:effectLst/>
-              <a:latin typeface="Arial" panose="020B0604020202020204" pitchFamily="34" charset="0"/>
-            </a:endParaRPr>
           </a:p>
         </p:txBody>
       </p:sp>
@@ -15691,11 +15568,7 @@
             <a:pPr lvl="0"/>
             <a:r>
               <a:rPr lang="zh-CN" altLang="en-US" dirty="0" smtClean="0"/>
-              <a:t>设计</a:t>
-            </a:r>
-            <a:r>
-              <a:rPr lang="zh-CN" altLang="en-US" dirty="0" smtClean="0"/>
-              <a:t>基于平面约束的激光里程计算法，解决特征稀少的地下矿建图的漂移问题</a:t>
+              <a:t>设计基于平面约束的激光里程计算法，解决特征稀少的地下矿建图的漂移问题</a:t>
             </a:r>
             <a:endParaRPr lang="en-US" altLang="zh-CN" dirty="0" smtClean="0"/>
           </a:p>
@@ -17601,7 +17474,7 @@
               <a:t>基于</a:t>
             </a:r>
             <a:r>
-              <a:rPr lang="en-US" altLang="zh-CN" sz="2000" dirty="0" smtClean="0">
+              <a:rPr lang="en-US" altLang="zh-CN" sz="2000" b="1" dirty="0" smtClean="0">
                 <a:latin typeface="宋体" panose="02010600030101010101" pitchFamily="2" charset="-122"/>
                 <a:ea typeface="宋体" panose="02010600030101010101" pitchFamily="2" charset="-122"/>
               </a:rPr>
@@ -17635,7 +17508,21 @@
                 <a:latin typeface="宋体" panose="02010600030101010101" pitchFamily="2" charset="-122"/>
                 <a:ea typeface="宋体" panose="02010600030101010101" pitchFamily="2" charset="-122"/>
               </a:rPr>
-              <a:t>基于无线电网络系统和多传感器传感器数据融合方式计算车辆姿态</a:t>
+              <a:t>基于</a:t>
+            </a:r>
+            <a:r>
+              <a:rPr lang="zh-CN" altLang="en-US" sz="2000" b="1" dirty="0" smtClean="0">
+                <a:latin typeface="宋体" panose="02010600030101010101" pitchFamily="2" charset="-122"/>
+                <a:ea typeface="宋体" panose="02010600030101010101" pitchFamily="2" charset="-122"/>
+              </a:rPr>
+              <a:t>无线电网络系统和多传感器传感器数据</a:t>
+            </a:r>
+            <a:r>
+              <a:rPr lang="zh-CN" altLang="en-US" sz="2000" dirty="0" smtClean="0">
+                <a:latin typeface="宋体" panose="02010600030101010101" pitchFamily="2" charset="-122"/>
+                <a:ea typeface="宋体" panose="02010600030101010101" pitchFamily="2" charset="-122"/>
+              </a:rPr>
+              <a:t>融合方式计算车辆姿态</a:t>
             </a:r>
             <a:r>
               <a:rPr lang="en-US" altLang="zh-CN" sz="1200" dirty="0" smtClean="0">
@@ -17658,14 +17545,14 @@
               <a:buChar char="Ø"/>
             </a:pPr>
             <a:r>
-              <a:rPr lang="zh-CN" altLang="en-US" sz="2000" dirty="0" smtClean="0">
+              <a:rPr lang="zh-CN" altLang="en-US" sz="2000" b="1" dirty="0" smtClean="0">
                 <a:latin typeface="宋体" panose="02010600030101010101" pitchFamily="2" charset="-122"/>
                 <a:ea typeface="宋体" panose="02010600030101010101" pitchFamily="2" charset="-122"/>
               </a:rPr>
               <a:t>激光</a:t>
             </a:r>
             <a:r>
-              <a:rPr lang="en-US" altLang="zh-CN" sz="2000" dirty="0">
+              <a:rPr lang="en-US" altLang="zh-CN" sz="2000" b="1" dirty="0">
                 <a:latin typeface="宋体" panose="02010600030101010101" pitchFamily="2" charset="-122"/>
                 <a:ea typeface="宋体" panose="02010600030101010101" pitchFamily="2" charset="-122"/>
               </a:rPr>
@@ -17717,7 +17604,21 @@
                 <a:latin typeface="宋体" panose="02010600030101010101" pitchFamily="2" charset="-122"/>
                 <a:ea typeface="宋体" panose="02010600030101010101" pitchFamily="2" charset="-122"/>
               </a:rPr>
-              <a:t>隧道加标签，设计半监督</a:t>
+              <a:t>隧道加</a:t>
+            </a:r>
+            <a:r>
+              <a:rPr lang="zh-CN" altLang="en-US" sz="2000" b="1" dirty="0">
+                <a:latin typeface="宋体" panose="02010600030101010101" pitchFamily="2" charset="-122"/>
+                <a:ea typeface="宋体" panose="02010600030101010101" pitchFamily="2" charset="-122"/>
+              </a:rPr>
+              <a:t>标签</a:t>
+            </a:r>
+            <a:r>
+              <a:rPr lang="zh-CN" altLang="en-US" sz="2000" dirty="0">
+                <a:latin typeface="宋体" panose="02010600030101010101" pitchFamily="2" charset="-122"/>
+                <a:ea typeface="宋体" panose="02010600030101010101" pitchFamily="2" charset="-122"/>
+              </a:rPr>
+              <a:t>，设计半监督</a:t>
             </a:r>
             <a:r>
               <a:rPr lang="en-US" altLang="zh-CN" sz="2000" dirty="0">
